--- a/stroitelniy-project_1.pptx
+++ b/stroitelniy-project_1.pptx
@@ -279,7 +279,7 @@
           <a:p>
             <a:fld id="{428BDFA9-ACA2-4294-9F62-69E81CDDA11A}" type="datetimeFigureOut">
               <a:rPr lang="ru-RU" smtClean="0"/>
-              <a:t>07.11.2021</a:t>
+              <a:t>11.11.2021</a:t>
             </a:fld>
             <a:endParaRPr lang="ru-RU"/>
           </a:p>
@@ -554,7 +554,7 @@
           <a:p>
             <a:fld id="{428BDFA9-ACA2-4294-9F62-69E81CDDA11A}" type="datetimeFigureOut">
               <a:rPr lang="ru-RU" smtClean="0"/>
-              <a:t>07.11.2021</a:t>
+              <a:t>11.11.2021</a:t>
             </a:fld>
             <a:endParaRPr lang="ru-RU"/>
           </a:p>
@@ -819,7 +819,7 @@
           <a:p>
             <a:fld id="{428BDFA9-ACA2-4294-9F62-69E81CDDA11A}" type="datetimeFigureOut">
               <a:rPr lang="ru-RU" smtClean="0"/>
-              <a:t>07.11.2021</a:t>
+              <a:t>11.11.2021</a:t>
             </a:fld>
             <a:endParaRPr lang="ru-RU"/>
           </a:p>
@@ -1231,7 +1231,7 @@
           <a:p>
             <a:fld id="{428BDFA9-ACA2-4294-9F62-69E81CDDA11A}" type="datetimeFigureOut">
               <a:rPr lang="ru-RU" smtClean="0"/>
-              <a:t>07.11.2021</a:t>
+              <a:t>11.11.2021</a:t>
             </a:fld>
             <a:endParaRPr lang="ru-RU"/>
           </a:p>
@@ -1372,7 +1372,7 @@
           <a:p>
             <a:fld id="{428BDFA9-ACA2-4294-9F62-69E81CDDA11A}" type="datetimeFigureOut">
               <a:rPr lang="ru-RU" smtClean="0"/>
-              <a:t>07.11.2021</a:t>
+              <a:t>11.11.2021</a:t>
             </a:fld>
             <a:endParaRPr lang="ru-RU"/>
           </a:p>
@@ -1485,7 +1485,7 @@
           <a:p>
             <a:fld id="{428BDFA9-ACA2-4294-9F62-69E81CDDA11A}" type="datetimeFigureOut">
               <a:rPr lang="ru-RU" smtClean="0"/>
-              <a:t>07.11.2021</a:t>
+              <a:t>11.11.2021</a:t>
             </a:fld>
             <a:endParaRPr lang="ru-RU"/>
           </a:p>
@@ -1796,7 +1796,7 @@
           <a:p>
             <a:fld id="{428BDFA9-ACA2-4294-9F62-69E81CDDA11A}" type="datetimeFigureOut">
               <a:rPr lang="ru-RU" smtClean="0"/>
-              <a:t>07.11.2021</a:t>
+              <a:t>11.11.2021</a:t>
             </a:fld>
             <a:endParaRPr lang="ru-RU"/>
           </a:p>
@@ -2084,7 +2084,7 @@
           <a:p>
             <a:fld id="{428BDFA9-ACA2-4294-9F62-69E81CDDA11A}" type="datetimeFigureOut">
               <a:rPr lang="ru-RU" smtClean="0"/>
-              <a:t>07.11.2021</a:t>
+              <a:t>11.11.2021</a:t>
             </a:fld>
             <a:endParaRPr lang="ru-RU"/>
           </a:p>
@@ -2282,7 +2282,7 @@
           <a:p>
             <a:fld id="{428BDFA9-ACA2-4294-9F62-69E81CDDA11A}" type="datetimeFigureOut">
               <a:rPr lang="ru-RU" smtClean="0"/>
-              <a:t>07.11.2021</a:t>
+              <a:t>11.11.2021</a:t>
             </a:fld>
             <a:endParaRPr lang="ru-RU"/>
           </a:p>
@@ -2490,7 +2490,7 @@
           <a:p>
             <a:fld id="{428BDFA9-ACA2-4294-9F62-69E81CDDA11A}" type="datetimeFigureOut">
               <a:rPr lang="ru-RU" smtClean="0"/>
-              <a:t>07.11.2021</a:t>
+              <a:t>11.11.2021</a:t>
             </a:fld>
             <a:endParaRPr lang="ru-RU"/>
           </a:p>
@@ -4905,7 +4905,7 @@
           <a:p>
             <a:fld id="{428BDFA9-ACA2-4294-9F62-69E81CDDA11A}" type="datetimeFigureOut">
               <a:rPr lang="ru-RU" smtClean="0"/>
-              <a:t>07.11.2021</a:t>
+              <a:t>11.11.2021</a:t>
             </a:fld>
             <a:endParaRPr lang="ru-RU"/>
           </a:p>
@@ -5467,7 +5467,7 @@
           <a:p>
             <a:fld id="{428BDFA9-ACA2-4294-9F62-69E81CDDA11A}" type="datetimeFigureOut">
               <a:rPr lang="ru-RU" smtClean="0"/>
-              <a:t>07.11.2021</a:t>
+              <a:t>11.11.2021</a:t>
             </a:fld>
             <a:endParaRPr lang="ru-RU"/>
           </a:p>
@@ -5708,7 +5708,7 @@
           <a:p>
             <a:fld id="{428BDFA9-ACA2-4294-9F62-69E81CDDA11A}" type="datetimeFigureOut">
               <a:rPr lang="ru-RU" smtClean="0"/>
-              <a:t>07.11.2021</a:t>
+              <a:t>11.11.2021</a:t>
             </a:fld>
             <a:endParaRPr lang="ru-RU"/>
           </a:p>
@@ -6157,20 +6157,9 @@
   <p:cSld>
     <p:bg>
       <p:bgPr>
-        <a:blipFill dpi="0" rotWithShape="1">
-          <a:blip r:embed="rId2" cstate="screen">
-            <a:lum/>
-            <a:extLst>
-              <a:ext uri="{28A0092B-C50C-407E-A947-70E740481C1C}">
-                <a14:useLocalDpi xmlns:a14="http://schemas.microsoft.com/office/drawing/2010/main"/>
-              </a:ext>
-            </a:extLst>
-          </a:blip>
-          <a:srcRect/>
-          <a:stretch>
-            <a:fillRect/>
-          </a:stretch>
-        </a:blipFill>
+        <a:solidFill>
+          <a:schemeClr val="accent1"/>
+        </a:solidFill>
         <a:effectLst/>
       </p:bgPr>
     </p:bg>
@@ -6188,36 +6177,6 @@
           <a:chExt cx="0" cy="0"/>
         </a:xfrm>
       </p:grpSpPr>
-      <p:pic>
-        <p:nvPicPr>
-          <p:cNvPr id="5" name="Рисунок 4"/>
-          <p:cNvPicPr>
-            <a:picLocks noChangeAspect="1"/>
-          </p:cNvPicPr>
-          <p:nvPr/>
-        </p:nvPicPr>
-        <p:blipFill>
-          <a:blip r:embed="rId3">
-            <a:extLst>
-              <a:ext uri="{28A0092B-C50C-407E-A947-70E740481C1C}">
-                <a14:useLocalDpi xmlns:a14="http://schemas.microsoft.com/office/drawing/2010/main" val="0"/>
-              </a:ext>
-            </a:extLst>
-          </a:blip>
-          <a:stretch>
-            <a:fillRect/>
-          </a:stretch>
-        </p:blipFill>
-        <p:spPr>
-          <a:xfrm>
-            <a:off x="0" y="-31284"/>
-            <a:ext cx="12247616" cy="6889284"/>
-          </a:xfrm>
-          <a:prstGeom prst="rect">
-            <a:avLst/>
-          </a:prstGeom>
-        </p:spPr>
-      </p:pic>
       <p:cxnSp>
         <p:nvCxnSpPr>
           <p:cNvPr id="14" name="Прямая соединительная линия 13">
@@ -6351,7 +6310,7 @@
         </p:nvSpPr>
         <p:spPr>
           <a:xfrm>
-            <a:off x="-427492" y="2349000"/>
+            <a:off x="-427492" y="1121183"/>
             <a:ext cx="6345000" cy="765000"/>
           </a:xfrm>
         </p:spPr>
@@ -6362,26 +6321,30 @@
           <a:lstStyle/>
           <a:p>
             <a:r>
-              <a:rPr lang="en-US" b="1" dirty="0">
-                <a:solidFill>
-                  <a:schemeClr val="tx2"/>
-                </a:solidFill>
-              </a:rPr>
-              <a:t>ZHABKAZ</a:t>
-            </a:r>
-            <a:r>
-              <a:rPr lang="en-US" b="1" dirty="0">
+              <a:rPr lang="ru-RU" b="1" dirty="0">
                 <a:solidFill>
                   <a:schemeClr val="bg1"/>
                 </a:solidFill>
               </a:rPr>
-              <a:t>TEAM</a:t>
-            </a:r>
-            <a:endParaRPr lang="ru-RU" b="1" dirty="0">
-              <a:solidFill>
-                <a:schemeClr val="bg1"/>
-              </a:solidFill>
-            </a:endParaRPr>
+              <a:t>Про</a:t>
+            </a:r>
+            <a:r>
+              <a:rPr lang="ru-RU" b="1" dirty="0"/>
+              <a:t>ект</a:t>
+            </a:r>
+            <a:r>
+              <a:rPr lang="ru-RU" b="1" dirty="0">
+                <a:solidFill>
+                  <a:schemeClr val="bg1"/>
+                </a:solidFill>
+              </a:rPr>
+              <a:t> по </a:t>
+            </a:r>
+            <a:r>
+              <a:rPr lang="en-US" b="1" dirty="0"/>
+              <a:t>QT</a:t>
+            </a:r>
+            <a:endParaRPr lang="ru-RU" b="1" dirty="0"/>
           </a:p>
         </p:txBody>
       </p:sp>
@@ -6510,7 +6473,7 @@
           <p:nvPr/>
         </p:nvPicPr>
         <p:blipFill>
-          <a:blip r:embed="rId4" cstate="print">
+          <a:blip r:embed="rId2" cstate="print">
             <a:extLst>
               <a:ext uri="{28A0092B-C50C-407E-A947-70E740481C1C}">
                 <a14:useLocalDpi xmlns:a14="http://schemas.microsoft.com/office/drawing/2010/main" val="0"/>
@@ -6523,7 +6486,7 @@
         </p:blipFill>
         <p:spPr>
           <a:xfrm>
-            <a:off x="111000" y="63520"/>
+            <a:off x="10435492" y="63520"/>
             <a:ext cx="1756508" cy="1756508"/>
           </a:xfrm>
           <a:prstGeom prst="rect">

--- a/stroitelniy-project_1.pptx
+++ b/stroitelniy-project_1.pptx
@@ -11,10 +11,9 @@
     <p:sldId id="263" r:id="rId5"/>
     <p:sldId id="264" r:id="rId6"/>
     <p:sldId id="270" r:id="rId7"/>
-    <p:sldId id="265" r:id="rId8"/>
-    <p:sldId id="266" r:id="rId9"/>
-    <p:sldId id="269" r:id="rId10"/>
-    <p:sldId id="268" r:id="rId11"/>
+    <p:sldId id="266" r:id="rId8"/>
+    <p:sldId id="269" r:id="rId9"/>
+    <p:sldId id="268" r:id="rId10"/>
   </p:sldIdLst>
   <p:sldSz cx="12192000" cy="6858000"/>
   <p:notesSz cx="6858000" cy="9144000"/>
@@ -6310,7 +6309,7 @@
         </p:nvSpPr>
         <p:spPr>
           <a:xfrm>
-            <a:off x="-427492" y="1121183"/>
+            <a:off x="-267861" y="1426500"/>
             <a:ext cx="6345000" cy="765000"/>
           </a:xfrm>
         </p:spPr>
@@ -6366,7 +6365,7 @@
         </p:nvSpPr>
         <p:spPr>
           <a:xfrm>
-            <a:off x="69000" y="4779000"/>
+            <a:off x="831008" y="4666501"/>
             <a:ext cx="5286000" cy="1809000"/>
           </a:xfrm>
         </p:spPr>
@@ -6376,10 +6375,7 @@
           </a:bodyPr>
           <a:lstStyle/>
           <a:p>
-            <a:pPr marL="342900" indent="-342900" algn="l">
-              <a:buFont typeface="Arial" panose="020B0604020202020204" pitchFamily="34" charset="0"/>
-              <a:buChar char="•"/>
-            </a:pPr>
+            <a:pPr algn="l"/>
             <a:r>
               <a:rPr lang="ru-RU" dirty="0">
                 <a:solidFill>
@@ -6388,39 +6384,7 @@
                   </a:schemeClr>
                 </a:solidFill>
               </a:rPr>
-              <a:t>Малинин Данила (10 класс)</a:t>
-            </a:r>
-          </a:p>
-          <a:p>
-            <a:pPr marL="342900" indent="-342900" algn="l">
-              <a:buFont typeface="Arial" panose="020B0604020202020204" pitchFamily="34" charset="0"/>
-              <a:buChar char="•"/>
-            </a:pPr>
-            <a:r>
-              <a:rPr lang="ru-RU" dirty="0">
-                <a:solidFill>
-                  <a:schemeClr val="bg2">
-                    <a:lumMod val="10000"/>
-                  </a:schemeClr>
-                </a:solidFill>
-              </a:rPr>
-              <a:t>Деревянных Владимир (10 класс)</a:t>
-            </a:r>
-          </a:p>
-          <a:p>
-            <a:pPr marL="342900" indent="-342900" algn="l">
-              <a:buFont typeface="Arial" panose="020B0604020202020204" pitchFamily="34" charset="0"/>
-              <a:buChar char="•"/>
-            </a:pPr>
-            <a:r>
-              <a:rPr lang="ru-RU" dirty="0">
-                <a:solidFill>
-                  <a:schemeClr val="bg2">
-                    <a:lumMod val="10000"/>
-                  </a:schemeClr>
-                </a:solidFill>
-              </a:rPr>
-              <a:t>Игнатьев Дмитрий (10 класс)</a:t>
+              <a:t>Деревянных Владимир</a:t>
             </a:r>
           </a:p>
         </p:txBody>
@@ -6486,8 +6450,47 @@
         </p:blipFill>
         <p:spPr>
           <a:xfrm>
-            <a:off x="10435492" y="63520"/>
+            <a:off x="10428605" y="84624"/>
             <a:ext cx="1756508" cy="1756508"/>
+          </a:xfrm>
+          <a:prstGeom prst="rect">
+            <a:avLst/>
+          </a:prstGeom>
+        </p:spPr>
+      </p:pic>
+      <p:pic>
+        <p:nvPicPr>
+          <p:cNvPr id="5" name="Рисунок 4">
+            <a:extLst>
+              <a:ext uri="{FF2B5EF4-FFF2-40B4-BE49-F238E27FC236}">
+                <a16:creationId xmlns:a16="http://schemas.microsoft.com/office/drawing/2014/main" id="{AB9B9284-9CEB-441A-8A3D-C1A78633756B}"/>
+              </a:ext>
+            </a:extLst>
+          </p:cNvPr>
+          <p:cNvPicPr>
+            <a:picLocks noChangeAspect="1"/>
+          </p:cNvPicPr>
+          <p:nvPr/>
+        </p:nvPicPr>
+        <p:blipFill>
+          <a:blip r:embed="rId3">
+            <a:extLst>
+              <a:ext uri="{28A0092B-C50C-407E-A947-70E740481C1C}">
+                <a14:useLocalDpi xmlns:a14="http://schemas.microsoft.com/office/drawing/2010/main" val="0"/>
+              </a:ext>
+              <a:ext uri="{96DAC541-7B7A-43D3-8B79-37D633B846F1}">
+                <asvg:svgBlip xmlns:asvg="http://schemas.microsoft.com/office/drawing/2016/SVG/main" r:embed="rId4"/>
+              </a:ext>
+            </a:extLst>
+          </a:blip>
+          <a:stretch>
+            <a:fillRect/>
+          </a:stretch>
+        </p:blipFill>
+        <p:spPr>
+          <a:xfrm>
+            <a:off x="6096000" y="3117501"/>
+            <a:ext cx="5702737" cy="645054"/>
           </a:xfrm>
           <a:prstGeom prst="rect">
             <a:avLst/>
@@ -6498,327 +6501,6 @@
     <p:extLst>
       <p:ext uri="{BB962C8B-B14F-4D97-AF65-F5344CB8AC3E}">
         <p14:creationId xmlns:p14="http://schemas.microsoft.com/office/powerpoint/2010/main" val="3025324156"/>
-      </p:ext>
-    </p:extLst>
-  </p:cSld>
-  <p:clrMapOvr>
-    <a:masterClrMapping/>
-  </p:clrMapOvr>
-</p:sld>
-</file>
-
-<file path=ppt/slides/slide10.xml><?xml version="1.0" encoding="utf-8"?>
-<p:sld xmlns:a="http://schemas.openxmlformats.org/drawingml/2006/main" xmlns:r="http://schemas.openxmlformats.org/officeDocument/2006/relationships" xmlns:p="http://schemas.openxmlformats.org/presentationml/2006/main">
-  <p:cSld>
-    <p:bg>
-      <p:bgPr>
-        <a:blipFill dpi="0" rotWithShape="1">
-          <a:blip r:embed="rId2" cstate="screen">
-            <a:lum/>
-            <a:extLst>
-              <a:ext uri="{28A0092B-C50C-407E-A947-70E740481C1C}">
-                <a14:useLocalDpi xmlns:a14="http://schemas.microsoft.com/office/drawing/2010/main"/>
-              </a:ext>
-            </a:extLst>
-          </a:blip>
-          <a:srcRect/>
-          <a:stretch>
-            <a:fillRect/>
-          </a:stretch>
-        </a:blipFill>
-        <a:effectLst/>
-      </p:bgPr>
-    </p:bg>
-    <p:spTree>
-      <p:nvGrpSpPr>
-        <p:cNvPr id="1" name=""/>
-        <p:cNvGrpSpPr/>
-        <p:nvPr/>
-      </p:nvGrpSpPr>
-      <p:grpSpPr>
-        <a:xfrm>
-          <a:off x="0" y="0"/>
-          <a:ext cx="0" cy="0"/>
-          <a:chOff x="0" y="0"/>
-          <a:chExt cx="0" cy="0"/>
-        </a:xfrm>
-      </p:grpSpPr>
-      <p:sp>
-        <p:nvSpPr>
-          <p:cNvPr id="4" name="Прямоугольник 3">
-            <a:extLst>
-              <a:ext uri="{FF2B5EF4-FFF2-40B4-BE49-F238E27FC236}">
-                <a16:creationId xmlns:a16="http://schemas.microsoft.com/office/drawing/2014/main" id="{4BAECB47-D1FA-4464-838B-540622A5F525}"/>
-              </a:ext>
-            </a:extLst>
-          </p:cNvPr>
-          <p:cNvSpPr/>
-          <p:nvPr/>
-        </p:nvSpPr>
-        <p:spPr>
-          <a:xfrm>
-            <a:off x="0" y="0"/>
-            <a:ext cx="12192000" cy="6858000"/>
-          </a:xfrm>
-          <a:prstGeom prst="rect">
-            <a:avLst/>
-          </a:prstGeom>
-          <a:solidFill>
-            <a:schemeClr val="tx1">
-              <a:alpha val="80000"/>
-            </a:schemeClr>
-          </a:solidFill>
-          <a:ln>
-            <a:noFill/>
-          </a:ln>
-        </p:spPr>
-        <p:style>
-          <a:lnRef idx="2">
-            <a:schemeClr val="accent1">
-              <a:shade val="50000"/>
-            </a:schemeClr>
-          </a:lnRef>
-          <a:fillRef idx="1">
-            <a:schemeClr val="accent1"/>
-          </a:fillRef>
-          <a:effectRef idx="0">
-            <a:schemeClr val="accent1"/>
-          </a:effectRef>
-          <a:fontRef idx="minor">
-            <a:schemeClr val="lt1"/>
-          </a:fontRef>
-        </p:style>
-        <p:txBody>
-          <a:bodyPr rtlCol="0" anchor="ctr"/>
-          <a:lstStyle/>
-          <a:p>
-            <a:pPr algn="ctr"/>
-            <a:endParaRPr lang="en-US" dirty="0">
-              <a:solidFill>
-                <a:schemeClr val="bg1"/>
-              </a:solidFill>
-            </a:endParaRPr>
-          </a:p>
-          <a:p>
-            <a:pPr algn="ctr"/>
-            <a:endParaRPr lang="en-US" dirty="0">
-              <a:solidFill>
-                <a:schemeClr val="bg1"/>
-              </a:solidFill>
-            </a:endParaRPr>
-          </a:p>
-          <a:p>
-            <a:pPr algn="ctr"/>
-            <a:endParaRPr lang="ru-RU" dirty="0">
-              <a:solidFill>
-                <a:schemeClr val="bg1"/>
-              </a:solidFill>
-            </a:endParaRPr>
-          </a:p>
-        </p:txBody>
-      </p:sp>
-      <p:sp>
-        <p:nvSpPr>
-          <p:cNvPr id="2" name="Заголовок 1">
-            <a:extLst>
-              <a:ext uri="{FF2B5EF4-FFF2-40B4-BE49-F238E27FC236}">
-                <a16:creationId xmlns:a16="http://schemas.microsoft.com/office/drawing/2014/main" id="{847F5D3A-7A06-404D-B6D0-B7EA088DE043}"/>
-              </a:ext>
-            </a:extLst>
-          </p:cNvPr>
-          <p:cNvSpPr>
-            <a:spLocks noGrp="1"/>
-          </p:cNvSpPr>
-          <p:nvPr>
-            <p:ph type="ctrTitle"/>
-          </p:nvPr>
-        </p:nvSpPr>
-        <p:spPr>
-          <a:xfrm>
-            <a:off x="1524000" y="1674000"/>
-            <a:ext cx="9144000" cy="2387600"/>
-          </a:xfrm>
-        </p:spPr>
-        <p:txBody>
-          <a:bodyPr>
-            <a:normAutofit/>
-          </a:bodyPr>
-          <a:lstStyle/>
-          <a:p>
-            <a:r>
-              <a:rPr lang="ru-RU" sz="11500" b="1" dirty="0">
-                <a:solidFill>
-                  <a:schemeClr val="bg1"/>
-                </a:solidFill>
-              </a:rPr>
-              <a:t>СПАСИБО</a:t>
-            </a:r>
-            <a:endParaRPr lang="ru-RU" sz="11500" b="1" dirty="0">
-              <a:solidFill>
-                <a:schemeClr val="accent1"/>
-              </a:solidFill>
-            </a:endParaRPr>
-          </a:p>
-        </p:txBody>
-      </p:sp>
-      <p:cxnSp>
-        <p:nvCxnSpPr>
-          <p:cNvPr id="8" name="Прямая соединительная линия 7">
-            <a:extLst>
-              <a:ext uri="{FF2B5EF4-FFF2-40B4-BE49-F238E27FC236}">
-                <a16:creationId xmlns:a16="http://schemas.microsoft.com/office/drawing/2014/main" id="{9EE28481-3F05-4D67-805E-F28B6E6D4DB0}"/>
-              </a:ext>
-            </a:extLst>
-          </p:cNvPr>
-          <p:cNvCxnSpPr/>
-          <p:nvPr/>
-        </p:nvCxnSpPr>
-        <p:spPr>
-          <a:xfrm flipH="1">
-            <a:off x="1326000" y="1944000"/>
-            <a:ext cx="9891000" cy="0"/>
-          </a:xfrm>
-          <a:prstGeom prst="line">
-            <a:avLst/>
-          </a:prstGeom>
-          <a:ln w="31750"/>
-        </p:spPr>
-        <p:style>
-          <a:lnRef idx="1">
-            <a:schemeClr val="accent1"/>
-          </a:lnRef>
-          <a:fillRef idx="0">
-            <a:schemeClr val="accent1"/>
-          </a:fillRef>
-          <a:effectRef idx="0">
-            <a:schemeClr val="accent1"/>
-          </a:effectRef>
-          <a:fontRef idx="minor">
-            <a:schemeClr val="tx1"/>
-          </a:fontRef>
-        </p:style>
-      </p:cxnSp>
-      <p:cxnSp>
-        <p:nvCxnSpPr>
-          <p:cNvPr id="9" name="Прямая соединительная линия 8">
-            <a:extLst>
-              <a:ext uri="{FF2B5EF4-FFF2-40B4-BE49-F238E27FC236}">
-                <a16:creationId xmlns:a16="http://schemas.microsoft.com/office/drawing/2014/main" id="{72827F8E-4C64-427F-BB93-5BAA7D7E4EED}"/>
-              </a:ext>
-            </a:extLst>
-          </p:cNvPr>
-          <p:cNvCxnSpPr>
-            <a:cxnSpLocks/>
-          </p:cNvCxnSpPr>
-          <p:nvPr/>
-        </p:nvCxnSpPr>
-        <p:spPr>
-          <a:xfrm flipH="1">
-            <a:off x="1326000" y="4464000"/>
-            <a:ext cx="7695000" cy="0"/>
-          </a:xfrm>
-          <a:prstGeom prst="line">
-            <a:avLst/>
-          </a:prstGeom>
-          <a:ln w="31750"/>
-        </p:spPr>
-        <p:style>
-          <a:lnRef idx="1">
-            <a:schemeClr val="accent1"/>
-          </a:lnRef>
-          <a:fillRef idx="0">
-            <a:schemeClr val="accent1"/>
-          </a:fillRef>
-          <a:effectRef idx="0">
-            <a:schemeClr val="accent1"/>
-          </a:effectRef>
-          <a:fontRef idx="minor">
-            <a:schemeClr val="tx1"/>
-          </a:fontRef>
-        </p:style>
-      </p:cxnSp>
-      <p:cxnSp>
-        <p:nvCxnSpPr>
-          <p:cNvPr id="11" name="Прямая соединительная линия 10">
-            <a:extLst>
-              <a:ext uri="{FF2B5EF4-FFF2-40B4-BE49-F238E27FC236}">
-                <a16:creationId xmlns:a16="http://schemas.microsoft.com/office/drawing/2014/main" id="{71D6975C-AE09-44A9-A6FC-0FFBDFB6D892}"/>
-              </a:ext>
-            </a:extLst>
-          </p:cNvPr>
-          <p:cNvCxnSpPr>
-            <a:cxnSpLocks/>
-          </p:cNvCxnSpPr>
-          <p:nvPr/>
-        </p:nvCxnSpPr>
-        <p:spPr>
-          <a:xfrm>
-            <a:off x="1326000" y="1944000"/>
-            <a:ext cx="0" cy="2520000"/>
-          </a:xfrm>
-          <a:prstGeom prst="line">
-            <a:avLst/>
-          </a:prstGeom>
-          <a:ln w="31750"/>
-        </p:spPr>
-        <p:style>
-          <a:lnRef idx="1">
-            <a:schemeClr val="accent1"/>
-          </a:lnRef>
-          <a:fillRef idx="0">
-            <a:schemeClr val="accent1"/>
-          </a:fillRef>
-          <a:effectRef idx="0">
-            <a:schemeClr val="accent1"/>
-          </a:effectRef>
-          <a:fontRef idx="minor">
-            <a:schemeClr val="tx1"/>
-          </a:fontRef>
-        </p:style>
-      </p:cxnSp>
-      <p:cxnSp>
-        <p:nvCxnSpPr>
-          <p:cNvPr id="14" name="Прямая соединительная линия 13">
-            <a:extLst>
-              <a:ext uri="{FF2B5EF4-FFF2-40B4-BE49-F238E27FC236}">
-                <a16:creationId xmlns:a16="http://schemas.microsoft.com/office/drawing/2014/main" id="{03096FA3-1855-4385-8DE4-640DAB32554D}"/>
-              </a:ext>
-            </a:extLst>
-          </p:cNvPr>
-          <p:cNvCxnSpPr>
-            <a:cxnSpLocks/>
-          </p:cNvCxnSpPr>
-          <p:nvPr/>
-        </p:nvCxnSpPr>
-        <p:spPr>
-          <a:xfrm>
-            <a:off x="11217000" y="1944000"/>
-            <a:ext cx="0" cy="1485000"/>
-          </a:xfrm>
-          <a:prstGeom prst="line">
-            <a:avLst/>
-          </a:prstGeom>
-          <a:ln w="31750"/>
-        </p:spPr>
-        <p:style>
-          <a:lnRef idx="1">
-            <a:schemeClr val="accent1"/>
-          </a:lnRef>
-          <a:fillRef idx="0">
-            <a:schemeClr val="accent1"/>
-          </a:fillRef>
-          <a:effectRef idx="0">
-            <a:schemeClr val="accent1"/>
-          </a:effectRef>
-          <a:fontRef idx="minor">
-            <a:schemeClr val="tx1"/>
-          </a:fontRef>
-        </p:style>
-      </p:cxnSp>
-    </p:spTree>
-    <p:extLst>
-      <p:ext uri="{BB962C8B-B14F-4D97-AF65-F5344CB8AC3E}">
-        <p14:creationId xmlns:p14="http://schemas.microsoft.com/office/powerpoint/2010/main" val="99814208"/>
       </p:ext>
     </p:extLst>
   </p:cSld>
@@ -9940,2127 +9622,6 @@
 </file>
 
 <file path=ppt/slides/slide7.xml><?xml version="1.0" encoding="utf-8"?>
-<p:sld xmlns:a="http://schemas.openxmlformats.org/drawingml/2006/main" xmlns:r="http://schemas.openxmlformats.org/officeDocument/2006/relationships" xmlns:p="http://schemas.openxmlformats.org/presentationml/2006/main" show="0">
-  <p:cSld>
-    <p:spTree>
-      <p:nvGrpSpPr>
-        <p:cNvPr id="1" name=""/>
-        <p:cNvGrpSpPr/>
-        <p:nvPr/>
-      </p:nvGrpSpPr>
-      <p:grpSpPr>
-        <a:xfrm>
-          <a:off x="0" y="0"/>
-          <a:ext cx="0" cy="0"/>
-          <a:chOff x="0" y="0"/>
-          <a:chExt cx="0" cy="0"/>
-        </a:xfrm>
-      </p:grpSpPr>
-      <p:sp>
-        <p:nvSpPr>
-          <p:cNvPr id="9" name="Текст 8">
-            <a:extLst>
-              <a:ext uri="{FF2B5EF4-FFF2-40B4-BE49-F238E27FC236}">
-                <a16:creationId xmlns:a16="http://schemas.microsoft.com/office/drawing/2014/main" id="{D3AC1C8A-8499-46A5-A64E-CFBA7F45D48A}"/>
-              </a:ext>
-            </a:extLst>
-          </p:cNvPr>
-          <p:cNvSpPr>
-            <a:spLocks noGrp="1"/>
-          </p:cNvSpPr>
-          <p:nvPr>
-            <p:ph type="body" sz="quarter" idx="10"/>
-          </p:nvPr>
-        </p:nvSpPr>
-        <p:spPr>
-          <a:xfrm>
-            <a:off x="424415" y="1359000"/>
-            <a:ext cx="11363325" cy="735089"/>
-          </a:xfrm>
-        </p:spPr>
-        <p:txBody>
-          <a:bodyPr>
-            <a:normAutofit/>
-          </a:bodyPr>
-          <a:lstStyle/>
-          <a:p>
-            <a:pPr marL="0" indent="0">
-              <a:buNone/>
-            </a:pPr>
-            <a:r>
-              <a:rPr lang="ru-RU" sz="2000" dirty="0"/>
-              <a:t>Мы не бросим этот проект</a:t>
-            </a:r>
-            <a:r>
-              <a:rPr lang="en-US" sz="2000" dirty="0"/>
-              <a:t>,</a:t>
-            </a:r>
-            <a:r>
-              <a:rPr lang="ru-RU" sz="2000" dirty="0"/>
-              <a:t> так как мы вложили много усилий и стараний для реализации нашего первого прототипа. У нас есть множество идей будущих модернизаций</a:t>
-            </a:r>
-            <a:r>
-              <a:rPr lang="en-US" sz="2000" dirty="0"/>
-              <a:t>:</a:t>
-            </a:r>
-          </a:p>
-        </p:txBody>
-      </p:sp>
-      <p:sp>
-        <p:nvSpPr>
-          <p:cNvPr id="8" name="Заголовок 7">
-            <a:extLst>
-              <a:ext uri="{FF2B5EF4-FFF2-40B4-BE49-F238E27FC236}">
-                <a16:creationId xmlns:a16="http://schemas.microsoft.com/office/drawing/2014/main" id="{264C4750-A43B-48DF-98D2-33D34033BDAA}"/>
-              </a:ext>
-            </a:extLst>
-          </p:cNvPr>
-          <p:cNvSpPr>
-            <a:spLocks noGrp="1"/>
-          </p:cNvSpPr>
-          <p:nvPr>
-            <p:ph type="title"/>
-          </p:nvPr>
-        </p:nvSpPr>
-        <p:spPr>
-          <a:xfrm>
-            <a:off x="651000" y="144000"/>
-            <a:ext cx="7238584" cy="990000"/>
-          </a:xfrm>
-        </p:spPr>
-        <p:txBody>
-          <a:bodyPr>
-            <a:normAutofit/>
-          </a:bodyPr>
-          <a:lstStyle/>
-          <a:p>
-            <a:r>
-              <a:rPr lang="ru-RU" dirty="0"/>
-              <a:t>БУДУЩИЕ </a:t>
-            </a:r>
-            <a:r>
-              <a:rPr lang="ru-RU" dirty="0">
-                <a:solidFill>
-                  <a:srgbClr val="FFC000"/>
-                </a:solidFill>
-              </a:rPr>
-              <a:t>МОДЕРНИЗАЦИИ</a:t>
-            </a:r>
-            <a:endParaRPr lang="ru-RU" dirty="0"/>
-          </a:p>
-        </p:txBody>
-      </p:sp>
-      <p:sp>
-        <p:nvSpPr>
-          <p:cNvPr id="14" name="Прямоугольник 13">
-            <a:extLst>
-              <a:ext uri="{FF2B5EF4-FFF2-40B4-BE49-F238E27FC236}">
-                <a16:creationId xmlns:a16="http://schemas.microsoft.com/office/drawing/2014/main" id="{24D75E7E-B67D-4159-A925-9597E7107944}"/>
-              </a:ext>
-            </a:extLst>
-          </p:cNvPr>
-          <p:cNvSpPr/>
-          <p:nvPr/>
-        </p:nvSpPr>
-        <p:spPr>
-          <a:xfrm>
-            <a:off x="6695519" y="2799000"/>
-            <a:ext cx="588173" cy="584775"/>
-          </a:xfrm>
-          <a:prstGeom prst="rect">
-            <a:avLst/>
-          </a:prstGeom>
-          <a:ln>
-            <a:noFill/>
-          </a:ln>
-        </p:spPr>
-        <p:style>
-          <a:lnRef idx="2">
-            <a:schemeClr val="accent1">
-              <a:shade val="50000"/>
-            </a:schemeClr>
-          </a:lnRef>
-          <a:fillRef idx="1">
-            <a:schemeClr val="accent1"/>
-          </a:fillRef>
-          <a:effectRef idx="0">
-            <a:schemeClr val="accent1"/>
-          </a:effectRef>
-          <a:fontRef idx="minor">
-            <a:schemeClr val="lt1"/>
-          </a:fontRef>
-        </p:style>
-        <p:txBody>
-          <a:bodyPr rtlCol="0" anchor="ctr"/>
-          <a:lstStyle/>
-          <a:p>
-            <a:pPr algn="ctr"/>
-            <a:endParaRPr lang="ru-RU"/>
-          </a:p>
-        </p:txBody>
-      </p:sp>
-      <p:sp>
-        <p:nvSpPr>
-          <p:cNvPr id="15" name="Текст 9">
-            <a:extLst>
-              <a:ext uri="{FF2B5EF4-FFF2-40B4-BE49-F238E27FC236}">
-                <a16:creationId xmlns:a16="http://schemas.microsoft.com/office/drawing/2014/main" id="{3DB1964B-A601-4F53-8848-EB872E7F4665}"/>
-              </a:ext>
-            </a:extLst>
-          </p:cNvPr>
-          <p:cNvSpPr txBox="1">
-            <a:spLocks/>
-          </p:cNvSpPr>
-          <p:nvPr/>
-        </p:nvSpPr>
-        <p:spPr>
-          <a:xfrm>
-            <a:off x="7401000" y="5167765"/>
-            <a:ext cx="4510471" cy="989862"/>
-          </a:xfrm>
-          <a:prstGeom prst="rect">
-            <a:avLst/>
-          </a:prstGeom>
-        </p:spPr>
-        <p:txBody>
-          <a:bodyPr>
-            <a:noAutofit/>
-          </a:bodyPr>
-          <a:lstStyle>
-            <a:lvl1pPr marL="228600" indent="-228600" algn="l" defTabSz="914400" rtl="0" eaLnBrk="1" latinLnBrk="0" hangingPunct="1">
-              <a:lnSpc>
-                <a:spcPct val="90000"/>
-              </a:lnSpc>
-              <a:spcBef>
-                <a:spcPts val="1000"/>
-              </a:spcBef>
-              <a:buFont typeface="Arial" panose="020B0604020202020204" pitchFamily="34" charset="0"/>
-              <a:buChar char="•"/>
-              <a:defRPr sz="2800" kern="1200">
-                <a:solidFill>
-                  <a:schemeClr val="tx1"/>
-                </a:solidFill>
-                <a:latin typeface="+mn-lt"/>
-                <a:ea typeface="+mn-ea"/>
-                <a:cs typeface="+mn-cs"/>
-              </a:defRPr>
-            </a:lvl1pPr>
-            <a:lvl2pPr marL="685800" indent="-228600" algn="l" defTabSz="914400" rtl="0" eaLnBrk="1" latinLnBrk="0" hangingPunct="1">
-              <a:lnSpc>
-                <a:spcPct val="90000"/>
-              </a:lnSpc>
-              <a:spcBef>
-                <a:spcPts val="500"/>
-              </a:spcBef>
-              <a:buFont typeface="Arial" panose="020B0604020202020204" pitchFamily="34" charset="0"/>
-              <a:buChar char="•"/>
-              <a:defRPr sz="2400" kern="1200">
-                <a:solidFill>
-                  <a:schemeClr val="tx1"/>
-                </a:solidFill>
-                <a:latin typeface="+mn-lt"/>
-                <a:ea typeface="+mn-ea"/>
-                <a:cs typeface="+mn-cs"/>
-              </a:defRPr>
-            </a:lvl2pPr>
-            <a:lvl3pPr marL="1143000" indent="-228600" algn="l" defTabSz="914400" rtl="0" eaLnBrk="1" latinLnBrk="0" hangingPunct="1">
-              <a:lnSpc>
-                <a:spcPct val="90000"/>
-              </a:lnSpc>
-              <a:spcBef>
-                <a:spcPts val="500"/>
-              </a:spcBef>
-              <a:buFont typeface="Arial" panose="020B0604020202020204" pitchFamily="34" charset="0"/>
-              <a:buChar char="•"/>
-              <a:defRPr sz="2000" kern="1200">
-                <a:solidFill>
-                  <a:schemeClr val="tx1"/>
-                </a:solidFill>
-                <a:latin typeface="+mn-lt"/>
-                <a:ea typeface="+mn-ea"/>
-                <a:cs typeface="+mn-cs"/>
-              </a:defRPr>
-            </a:lvl3pPr>
-            <a:lvl4pPr marL="1600200" indent="-228600" algn="l" defTabSz="914400" rtl="0" eaLnBrk="1" latinLnBrk="0" hangingPunct="1">
-              <a:lnSpc>
-                <a:spcPct val="90000"/>
-              </a:lnSpc>
-              <a:spcBef>
-                <a:spcPts val="500"/>
-              </a:spcBef>
-              <a:buFont typeface="Arial" panose="020B0604020202020204" pitchFamily="34" charset="0"/>
-              <a:buChar char="•"/>
-              <a:defRPr sz="1800" kern="1200">
-                <a:solidFill>
-                  <a:schemeClr val="tx1"/>
-                </a:solidFill>
-                <a:latin typeface="+mn-lt"/>
-                <a:ea typeface="+mn-ea"/>
-                <a:cs typeface="+mn-cs"/>
-              </a:defRPr>
-            </a:lvl4pPr>
-            <a:lvl5pPr marL="2057400" indent="-228600" algn="l" defTabSz="914400" rtl="0" eaLnBrk="1" latinLnBrk="0" hangingPunct="1">
-              <a:lnSpc>
-                <a:spcPct val="90000"/>
-              </a:lnSpc>
-              <a:spcBef>
-                <a:spcPts val="500"/>
-              </a:spcBef>
-              <a:buFont typeface="Arial" panose="020B0604020202020204" pitchFamily="34" charset="0"/>
-              <a:buChar char="•"/>
-              <a:defRPr sz="1800" kern="1200">
-                <a:solidFill>
-                  <a:schemeClr val="tx1"/>
-                </a:solidFill>
-                <a:latin typeface="+mn-lt"/>
-                <a:ea typeface="+mn-ea"/>
-                <a:cs typeface="+mn-cs"/>
-              </a:defRPr>
-            </a:lvl5pPr>
-            <a:lvl6pPr marL="2514600" indent="-228600" algn="l" defTabSz="914400" rtl="0" eaLnBrk="1" latinLnBrk="0" hangingPunct="1">
-              <a:lnSpc>
-                <a:spcPct val="90000"/>
-              </a:lnSpc>
-              <a:spcBef>
-                <a:spcPts val="500"/>
-              </a:spcBef>
-              <a:buFont typeface="Arial" panose="020B0604020202020204" pitchFamily="34" charset="0"/>
-              <a:buChar char="•"/>
-              <a:defRPr sz="1800" kern="1200">
-                <a:solidFill>
-                  <a:schemeClr val="tx1"/>
-                </a:solidFill>
-                <a:latin typeface="+mn-lt"/>
-                <a:ea typeface="+mn-ea"/>
-                <a:cs typeface="+mn-cs"/>
-              </a:defRPr>
-            </a:lvl6pPr>
-            <a:lvl7pPr marL="2971800" indent="-228600" algn="l" defTabSz="914400" rtl="0" eaLnBrk="1" latinLnBrk="0" hangingPunct="1">
-              <a:lnSpc>
-                <a:spcPct val="90000"/>
-              </a:lnSpc>
-              <a:spcBef>
-                <a:spcPts val="500"/>
-              </a:spcBef>
-              <a:buFont typeface="Arial" panose="020B0604020202020204" pitchFamily="34" charset="0"/>
-              <a:buChar char="•"/>
-              <a:defRPr sz="1800" kern="1200">
-                <a:solidFill>
-                  <a:schemeClr val="tx1"/>
-                </a:solidFill>
-                <a:latin typeface="+mn-lt"/>
-                <a:ea typeface="+mn-ea"/>
-                <a:cs typeface="+mn-cs"/>
-              </a:defRPr>
-            </a:lvl7pPr>
-            <a:lvl8pPr marL="3429000" indent="-228600" algn="l" defTabSz="914400" rtl="0" eaLnBrk="1" latinLnBrk="0" hangingPunct="1">
-              <a:lnSpc>
-                <a:spcPct val="90000"/>
-              </a:lnSpc>
-              <a:spcBef>
-                <a:spcPts val="500"/>
-              </a:spcBef>
-              <a:buFont typeface="Arial" panose="020B0604020202020204" pitchFamily="34" charset="0"/>
-              <a:buChar char="•"/>
-              <a:defRPr sz="1800" kern="1200">
-                <a:solidFill>
-                  <a:schemeClr val="tx1"/>
-                </a:solidFill>
-                <a:latin typeface="+mn-lt"/>
-                <a:ea typeface="+mn-ea"/>
-                <a:cs typeface="+mn-cs"/>
-              </a:defRPr>
-            </a:lvl8pPr>
-            <a:lvl9pPr marL="3886200" indent="-228600" algn="l" defTabSz="914400" rtl="0" eaLnBrk="1" latinLnBrk="0" hangingPunct="1">
-              <a:lnSpc>
-                <a:spcPct val="90000"/>
-              </a:lnSpc>
-              <a:spcBef>
-                <a:spcPts val="500"/>
-              </a:spcBef>
-              <a:buFont typeface="Arial" panose="020B0604020202020204" pitchFamily="34" charset="0"/>
-              <a:buChar char="•"/>
-              <a:defRPr sz="1800" kern="1200">
-                <a:solidFill>
-                  <a:schemeClr val="tx1"/>
-                </a:solidFill>
-                <a:latin typeface="+mn-lt"/>
-                <a:ea typeface="+mn-ea"/>
-                <a:cs typeface="+mn-cs"/>
-              </a:defRPr>
-            </a:lvl9pPr>
-          </a:lstStyle>
-          <a:p>
-            <a:pPr marL="0" indent="0">
-              <a:buFont typeface="Arial" panose="020B0604020202020204" pitchFamily="34" charset="0"/>
-              <a:buNone/>
-            </a:pPr>
-            <a:r>
-              <a:rPr lang="ru-RU" sz="1800" dirty="0"/>
-              <a:t>Сделать </a:t>
-            </a:r>
-            <a:r>
-              <a:rPr lang="ru-RU" sz="1800" dirty="0" err="1"/>
-              <a:t>валидацию</a:t>
-            </a:r>
-            <a:r>
-              <a:rPr lang="ru-RU" sz="1800" dirty="0"/>
-              <a:t> проблемы по таким признакам</a:t>
-            </a:r>
-            <a:r>
-              <a:rPr lang="en-US" sz="1800" dirty="0"/>
-              <a:t>,</a:t>
-            </a:r>
-            <a:r>
-              <a:rPr lang="ru-RU" sz="1800" dirty="0"/>
-              <a:t> как кол-во похожих запросов</a:t>
-            </a:r>
-            <a:r>
-              <a:rPr lang="en-US" sz="1800" dirty="0"/>
-              <a:t>,</a:t>
-            </a:r>
-            <a:r>
-              <a:rPr lang="ru-RU" sz="1800" dirty="0"/>
-              <a:t> возраст гражданина и окружение (строительный анализ).</a:t>
-            </a:r>
-          </a:p>
-        </p:txBody>
-      </p:sp>
-      <p:sp>
-        <p:nvSpPr>
-          <p:cNvPr id="16" name="TextBox 15">
-            <a:extLst>
-              <a:ext uri="{FF2B5EF4-FFF2-40B4-BE49-F238E27FC236}">
-                <a16:creationId xmlns:a16="http://schemas.microsoft.com/office/drawing/2014/main" id="{C080CCA7-0BBC-4006-92B0-406C5BE4B79E}"/>
-              </a:ext>
-            </a:extLst>
-          </p:cNvPr>
-          <p:cNvSpPr txBox="1"/>
-          <p:nvPr/>
-        </p:nvSpPr>
-        <p:spPr>
-          <a:xfrm flipH="1">
-            <a:off x="6708581" y="2799000"/>
-            <a:ext cx="926074" cy="584775"/>
-          </a:xfrm>
-          <a:prstGeom prst="rect">
-            <a:avLst/>
-          </a:prstGeom>
-          <a:noFill/>
-        </p:spPr>
-        <p:txBody>
-          <a:bodyPr wrap="square" rtlCol="0">
-            <a:spAutoFit/>
-          </a:bodyPr>
-          <a:lstStyle/>
-          <a:p>
-            <a:r>
-              <a:rPr lang="ru-RU" sz="3200" dirty="0"/>
-              <a:t>0</a:t>
-            </a:r>
-            <a:r>
-              <a:rPr lang="en-US" sz="3200" dirty="0"/>
-              <a:t>4</a:t>
-            </a:r>
-            <a:endParaRPr lang="ru-RU" sz="3200" dirty="0"/>
-          </a:p>
-        </p:txBody>
-      </p:sp>
-      <p:sp>
-        <p:nvSpPr>
-          <p:cNvPr id="17" name="Прямоугольник 16">
-            <a:extLst>
-              <a:ext uri="{FF2B5EF4-FFF2-40B4-BE49-F238E27FC236}">
-                <a16:creationId xmlns:a16="http://schemas.microsoft.com/office/drawing/2014/main" id="{30CB6D06-F28D-403F-BD2A-F6876A0326FB}"/>
-              </a:ext>
-            </a:extLst>
-          </p:cNvPr>
-          <p:cNvSpPr/>
-          <p:nvPr/>
-        </p:nvSpPr>
-        <p:spPr>
-          <a:xfrm>
-            <a:off x="6695519" y="4002235"/>
-            <a:ext cx="588173" cy="584775"/>
-          </a:xfrm>
-          <a:prstGeom prst="rect">
-            <a:avLst/>
-          </a:prstGeom>
-          <a:ln>
-            <a:noFill/>
-          </a:ln>
-        </p:spPr>
-        <p:style>
-          <a:lnRef idx="2">
-            <a:schemeClr val="accent1">
-              <a:shade val="50000"/>
-            </a:schemeClr>
-          </a:lnRef>
-          <a:fillRef idx="1">
-            <a:schemeClr val="accent1"/>
-          </a:fillRef>
-          <a:effectRef idx="0">
-            <a:schemeClr val="accent1"/>
-          </a:effectRef>
-          <a:fontRef idx="minor">
-            <a:schemeClr val="lt1"/>
-          </a:fontRef>
-        </p:style>
-        <p:txBody>
-          <a:bodyPr rtlCol="0" anchor="ctr"/>
-          <a:lstStyle/>
-          <a:p>
-            <a:pPr algn="ctr"/>
-            <a:endParaRPr lang="ru-RU"/>
-          </a:p>
-        </p:txBody>
-      </p:sp>
-      <p:sp>
-        <p:nvSpPr>
-          <p:cNvPr id="18" name="Текст 9">
-            <a:extLst>
-              <a:ext uri="{FF2B5EF4-FFF2-40B4-BE49-F238E27FC236}">
-                <a16:creationId xmlns:a16="http://schemas.microsoft.com/office/drawing/2014/main" id="{949103A0-4633-4F0C-96E5-28B290440BBD}"/>
-              </a:ext>
-            </a:extLst>
-          </p:cNvPr>
-          <p:cNvSpPr txBox="1">
-            <a:spLocks/>
-          </p:cNvSpPr>
-          <p:nvPr/>
-        </p:nvSpPr>
-        <p:spPr>
-          <a:xfrm>
-            <a:off x="1305646" y="2815522"/>
-            <a:ext cx="4510471" cy="568253"/>
-          </a:xfrm>
-          <a:prstGeom prst="rect">
-            <a:avLst/>
-          </a:prstGeom>
-        </p:spPr>
-        <p:txBody>
-          <a:bodyPr>
-            <a:noAutofit/>
-          </a:bodyPr>
-          <a:lstStyle>
-            <a:lvl1pPr marL="228600" indent="-228600" algn="l" defTabSz="914400" rtl="0" eaLnBrk="1" latinLnBrk="0" hangingPunct="1">
-              <a:lnSpc>
-                <a:spcPct val="90000"/>
-              </a:lnSpc>
-              <a:spcBef>
-                <a:spcPts val="1000"/>
-              </a:spcBef>
-              <a:buFont typeface="Arial" panose="020B0604020202020204" pitchFamily="34" charset="0"/>
-              <a:buChar char="•"/>
-              <a:defRPr sz="2800" kern="1200">
-                <a:solidFill>
-                  <a:schemeClr val="tx1"/>
-                </a:solidFill>
-                <a:latin typeface="+mn-lt"/>
-                <a:ea typeface="+mn-ea"/>
-                <a:cs typeface="+mn-cs"/>
-              </a:defRPr>
-            </a:lvl1pPr>
-            <a:lvl2pPr marL="685800" indent="-228600" algn="l" defTabSz="914400" rtl="0" eaLnBrk="1" latinLnBrk="0" hangingPunct="1">
-              <a:lnSpc>
-                <a:spcPct val="90000"/>
-              </a:lnSpc>
-              <a:spcBef>
-                <a:spcPts val="500"/>
-              </a:spcBef>
-              <a:buFont typeface="Arial" panose="020B0604020202020204" pitchFamily="34" charset="0"/>
-              <a:buChar char="•"/>
-              <a:defRPr sz="2400" kern="1200">
-                <a:solidFill>
-                  <a:schemeClr val="tx1"/>
-                </a:solidFill>
-                <a:latin typeface="+mn-lt"/>
-                <a:ea typeface="+mn-ea"/>
-                <a:cs typeface="+mn-cs"/>
-              </a:defRPr>
-            </a:lvl2pPr>
-            <a:lvl3pPr marL="1143000" indent="-228600" algn="l" defTabSz="914400" rtl="0" eaLnBrk="1" latinLnBrk="0" hangingPunct="1">
-              <a:lnSpc>
-                <a:spcPct val="90000"/>
-              </a:lnSpc>
-              <a:spcBef>
-                <a:spcPts val="500"/>
-              </a:spcBef>
-              <a:buFont typeface="Arial" panose="020B0604020202020204" pitchFamily="34" charset="0"/>
-              <a:buChar char="•"/>
-              <a:defRPr sz="2000" kern="1200">
-                <a:solidFill>
-                  <a:schemeClr val="tx1"/>
-                </a:solidFill>
-                <a:latin typeface="+mn-lt"/>
-                <a:ea typeface="+mn-ea"/>
-                <a:cs typeface="+mn-cs"/>
-              </a:defRPr>
-            </a:lvl3pPr>
-            <a:lvl4pPr marL="1600200" indent="-228600" algn="l" defTabSz="914400" rtl="0" eaLnBrk="1" latinLnBrk="0" hangingPunct="1">
-              <a:lnSpc>
-                <a:spcPct val="90000"/>
-              </a:lnSpc>
-              <a:spcBef>
-                <a:spcPts val="500"/>
-              </a:spcBef>
-              <a:buFont typeface="Arial" panose="020B0604020202020204" pitchFamily="34" charset="0"/>
-              <a:buChar char="•"/>
-              <a:defRPr sz="1800" kern="1200">
-                <a:solidFill>
-                  <a:schemeClr val="tx1"/>
-                </a:solidFill>
-                <a:latin typeface="+mn-lt"/>
-                <a:ea typeface="+mn-ea"/>
-                <a:cs typeface="+mn-cs"/>
-              </a:defRPr>
-            </a:lvl4pPr>
-            <a:lvl5pPr marL="2057400" indent="-228600" algn="l" defTabSz="914400" rtl="0" eaLnBrk="1" latinLnBrk="0" hangingPunct="1">
-              <a:lnSpc>
-                <a:spcPct val="90000"/>
-              </a:lnSpc>
-              <a:spcBef>
-                <a:spcPts val="500"/>
-              </a:spcBef>
-              <a:buFont typeface="Arial" panose="020B0604020202020204" pitchFamily="34" charset="0"/>
-              <a:buChar char="•"/>
-              <a:defRPr sz="1800" kern="1200">
-                <a:solidFill>
-                  <a:schemeClr val="tx1"/>
-                </a:solidFill>
-                <a:latin typeface="+mn-lt"/>
-                <a:ea typeface="+mn-ea"/>
-                <a:cs typeface="+mn-cs"/>
-              </a:defRPr>
-            </a:lvl5pPr>
-            <a:lvl6pPr marL="2514600" indent="-228600" algn="l" defTabSz="914400" rtl="0" eaLnBrk="1" latinLnBrk="0" hangingPunct="1">
-              <a:lnSpc>
-                <a:spcPct val="90000"/>
-              </a:lnSpc>
-              <a:spcBef>
-                <a:spcPts val="500"/>
-              </a:spcBef>
-              <a:buFont typeface="Arial" panose="020B0604020202020204" pitchFamily="34" charset="0"/>
-              <a:buChar char="•"/>
-              <a:defRPr sz="1800" kern="1200">
-                <a:solidFill>
-                  <a:schemeClr val="tx1"/>
-                </a:solidFill>
-                <a:latin typeface="+mn-lt"/>
-                <a:ea typeface="+mn-ea"/>
-                <a:cs typeface="+mn-cs"/>
-              </a:defRPr>
-            </a:lvl6pPr>
-            <a:lvl7pPr marL="2971800" indent="-228600" algn="l" defTabSz="914400" rtl="0" eaLnBrk="1" latinLnBrk="0" hangingPunct="1">
-              <a:lnSpc>
-                <a:spcPct val="90000"/>
-              </a:lnSpc>
-              <a:spcBef>
-                <a:spcPts val="500"/>
-              </a:spcBef>
-              <a:buFont typeface="Arial" panose="020B0604020202020204" pitchFamily="34" charset="0"/>
-              <a:buChar char="•"/>
-              <a:defRPr sz="1800" kern="1200">
-                <a:solidFill>
-                  <a:schemeClr val="tx1"/>
-                </a:solidFill>
-                <a:latin typeface="+mn-lt"/>
-                <a:ea typeface="+mn-ea"/>
-                <a:cs typeface="+mn-cs"/>
-              </a:defRPr>
-            </a:lvl7pPr>
-            <a:lvl8pPr marL="3429000" indent="-228600" algn="l" defTabSz="914400" rtl="0" eaLnBrk="1" latinLnBrk="0" hangingPunct="1">
-              <a:lnSpc>
-                <a:spcPct val="90000"/>
-              </a:lnSpc>
-              <a:spcBef>
-                <a:spcPts val="500"/>
-              </a:spcBef>
-              <a:buFont typeface="Arial" panose="020B0604020202020204" pitchFamily="34" charset="0"/>
-              <a:buChar char="•"/>
-              <a:defRPr sz="1800" kern="1200">
-                <a:solidFill>
-                  <a:schemeClr val="tx1"/>
-                </a:solidFill>
-                <a:latin typeface="+mn-lt"/>
-                <a:ea typeface="+mn-ea"/>
-                <a:cs typeface="+mn-cs"/>
-              </a:defRPr>
-            </a:lvl8pPr>
-            <a:lvl9pPr marL="3886200" indent="-228600" algn="l" defTabSz="914400" rtl="0" eaLnBrk="1" latinLnBrk="0" hangingPunct="1">
-              <a:lnSpc>
-                <a:spcPct val="90000"/>
-              </a:lnSpc>
-              <a:spcBef>
-                <a:spcPts val="500"/>
-              </a:spcBef>
-              <a:buFont typeface="Arial" panose="020B0604020202020204" pitchFamily="34" charset="0"/>
-              <a:buChar char="•"/>
-              <a:defRPr sz="1800" kern="1200">
-                <a:solidFill>
-                  <a:schemeClr val="tx1"/>
-                </a:solidFill>
-                <a:latin typeface="+mn-lt"/>
-                <a:ea typeface="+mn-ea"/>
-                <a:cs typeface="+mn-cs"/>
-              </a:defRPr>
-            </a:lvl9pPr>
-          </a:lstStyle>
-          <a:p>
-            <a:pPr marL="0" indent="0">
-              <a:buFont typeface="Arial" panose="020B0604020202020204" pitchFamily="34" charset="0"/>
-              <a:buNone/>
-            </a:pPr>
-            <a:r>
-              <a:rPr lang="ru-RU" sz="1800" dirty="0"/>
-              <a:t>Обучить </a:t>
-            </a:r>
-            <a:r>
-              <a:rPr lang="ru-RU" sz="1800" dirty="0" err="1"/>
-              <a:t>нейронку</a:t>
-            </a:r>
-            <a:r>
-              <a:rPr lang="ru-RU" sz="1800" dirty="0"/>
-              <a:t> для быстрой классификации проблематики текста. </a:t>
-            </a:r>
-          </a:p>
-        </p:txBody>
-      </p:sp>
-      <p:sp>
-        <p:nvSpPr>
-          <p:cNvPr id="19" name="TextBox 18">
-            <a:extLst>
-              <a:ext uri="{FF2B5EF4-FFF2-40B4-BE49-F238E27FC236}">
-                <a16:creationId xmlns:a16="http://schemas.microsoft.com/office/drawing/2014/main" id="{99AB64A7-EE71-4EDA-BC80-506A1170E268}"/>
-              </a:ext>
-            </a:extLst>
-          </p:cNvPr>
-          <p:cNvSpPr txBox="1"/>
-          <p:nvPr/>
-        </p:nvSpPr>
-        <p:spPr>
-          <a:xfrm flipH="1">
-            <a:off x="6708581" y="4002235"/>
-            <a:ext cx="926074" cy="584775"/>
-          </a:xfrm>
-          <a:prstGeom prst="rect">
-            <a:avLst/>
-          </a:prstGeom>
-          <a:noFill/>
-        </p:spPr>
-        <p:txBody>
-          <a:bodyPr wrap="square" rtlCol="0">
-            <a:spAutoFit/>
-          </a:bodyPr>
-          <a:lstStyle/>
-          <a:p>
-            <a:r>
-              <a:rPr lang="ru-RU" sz="3200" dirty="0"/>
-              <a:t>0</a:t>
-            </a:r>
-            <a:r>
-              <a:rPr lang="en-US" sz="3200" dirty="0"/>
-              <a:t>5</a:t>
-            </a:r>
-            <a:endParaRPr lang="ru-RU" sz="3200" dirty="0"/>
-          </a:p>
-        </p:txBody>
-      </p:sp>
-      <p:sp>
-        <p:nvSpPr>
-          <p:cNvPr id="20" name="Прямоугольник 19">
-            <a:extLst>
-              <a:ext uri="{FF2B5EF4-FFF2-40B4-BE49-F238E27FC236}">
-                <a16:creationId xmlns:a16="http://schemas.microsoft.com/office/drawing/2014/main" id="{494CFA75-684C-4726-9F62-052956FF5322}"/>
-              </a:ext>
-            </a:extLst>
-          </p:cNvPr>
-          <p:cNvSpPr/>
-          <p:nvPr/>
-        </p:nvSpPr>
-        <p:spPr>
-          <a:xfrm>
-            <a:off x="6702673" y="5134736"/>
-            <a:ext cx="588173" cy="584775"/>
-          </a:xfrm>
-          <a:prstGeom prst="rect">
-            <a:avLst/>
-          </a:prstGeom>
-          <a:ln>
-            <a:noFill/>
-          </a:ln>
-        </p:spPr>
-        <p:style>
-          <a:lnRef idx="2">
-            <a:schemeClr val="accent1">
-              <a:shade val="50000"/>
-            </a:schemeClr>
-          </a:lnRef>
-          <a:fillRef idx="1">
-            <a:schemeClr val="accent1"/>
-          </a:fillRef>
-          <a:effectRef idx="0">
-            <a:schemeClr val="accent1"/>
-          </a:effectRef>
-          <a:fontRef idx="minor">
-            <a:schemeClr val="lt1"/>
-          </a:fontRef>
-        </p:style>
-        <p:txBody>
-          <a:bodyPr rtlCol="0" anchor="ctr"/>
-          <a:lstStyle/>
-          <a:p>
-            <a:pPr algn="ctr"/>
-            <a:endParaRPr lang="ru-RU"/>
-          </a:p>
-        </p:txBody>
-      </p:sp>
-      <p:sp>
-        <p:nvSpPr>
-          <p:cNvPr id="21" name="Текст 9">
-            <a:extLst>
-              <a:ext uri="{FF2B5EF4-FFF2-40B4-BE49-F238E27FC236}">
-                <a16:creationId xmlns:a16="http://schemas.microsoft.com/office/drawing/2014/main" id="{6BDAEE69-FF5C-4DAE-9EA7-0BA08AED736D}"/>
-              </a:ext>
-            </a:extLst>
-          </p:cNvPr>
-          <p:cNvSpPr txBox="1">
-            <a:spLocks/>
-          </p:cNvSpPr>
-          <p:nvPr/>
-        </p:nvSpPr>
-        <p:spPr>
-          <a:xfrm>
-            <a:off x="7401000" y="4002235"/>
-            <a:ext cx="4510471" cy="989862"/>
-          </a:xfrm>
-          <a:prstGeom prst="rect">
-            <a:avLst/>
-          </a:prstGeom>
-        </p:spPr>
-        <p:txBody>
-          <a:bodyPr>
-            <a:normAutofit/>
-          </a:bodyPr>
-          <a:lstStyle>
-            <a:lvl1pPr marL="228600" indent="-228600" algn="l" defTabSz="914400" rtl="0" eaLnBrk="1" latinLnBrk="0" hangingPunct="1">
-              <a:lnSpc>
-                <a:spcPct val="90000"/>
-              </a:lnSpc>
-              <a:spcBef>
-                <a:spcPts val="1000"/>
-              </a:spcBef>
-              <a:buFont typeface="Arial" panose="020B0604020202020204" pitchFamily="34" charset="0"/>
-              <a:buChar char="•"/>
-              <a:defRPr sz="2800" kern="1200">
-                <a:solidFill>
-                  <a:schemeClr val="tx1"/>
-                </a:solidFill>
-                <a:latin typeface="+mn-lt"/>
-                <a:ea typeface="+mn-ea"/>
-                <a:cs typeface="+mn-cs"/>
-              </a:defRPr>
-            </a:lvl1pPr>
-            <a:lvl2pPr marL="685800" indent="-228600" algn="l" defTabSz="914400" rtl="0" eaLnBrk="1" latinLnBrk="0" hangingPunct="1">
-              <a:lnSpc>
-                <a:spcPct val="90000"/>
-              </a:lnSpc>
-              <a:spcBef>
-                <a:spcPts val="500"/>
-              </a:spcBef>
-              <a:buFont typeface="Arial" panose="020B0604020202020204" pitchFamily="34" charset="0"/>
-              <a:buChar char="•"/>
-              <a:defRPr sz="2400" kern="1200">
-                <a:solidFill>
-                  <a:schemeClr val="tx1"/>
-                </a:solidFill>
-                <a:latin typeface="+mn-lt"/>
-                <a:ea typeface="+mn-ea"/>
-                <a:cs typeface="+mn-cs"/>
-              </a:defRPr>
-            </a:lvl2pPr>
-            <a:lvl3pPr marL="1143000" indent="-228600" algn="l" defTabSz="914400" rtl="0" eaLnBrk="1" latinLnBrk="0" hangingPunct="1">
-              <a:lnSpc>
-                <a:spcPct val="90000"/>
-              </a:lnSpc>
-              <a:spcBef>
-                <a:spcPts val="500"/>
-              </a:spcBef>
-              <a:buFont typeface="Arial" panose="020B0604020202020204" pitchFamily="34" charset="0"/>
-              <a:buChar char="•"/>
-              <a:defRPr sz="2000" kern="1200">
-                <a:solidFill>
-                  <a:schemeClr val="tx1"/>
-                </a:solidFill>
-                <a:latin typeface="+mn-lt"/>
-                <a:ea typeface="+mn-ea"/>
-                <a:cs typeface="+mn-cs"/>
-              </a:defRPr>
-            </a:lvl3pPr>
-            <a:lvl4pPr marL="1600200" indent="-228600" algn="l" defTabSz="914400" rtl="0" eaLnBrk="1" latinLnBrk="0" hangingPunct="1">
-              <a:lnSpc>
-                <a:spcPct val="90000"/>
-              </a:lnSpc>
-              <a:spcBef>
-                <a:spcPts val="500"/>
-              </a:spcBef>
-              <a:buFont typeface="Arial" panose="020B0604020202020204" pitchFamily="34" charset="0"/>
-              <a:buChar char="•"/>
-              <a:defRPr sz="1800" kern="1200">
-                <a:solidFill>
-                  <a:schemeClr val="tx1"/>
-                </a:solidFill>
-                <a:latin typeface="+mn-lt"/>
-                <a:ea typeface="+mn-ea"/>
-                <a:cs typeface="+mn-cs"/>
-              </a:defRPr>
-            </a:lvl4pPr>
-            <a:lvl5pPr marL="2057400" indent="-228600" algn="l" defTabSz="914400" rtl="0" eaLnBrk="1" latinLnBrk="0" hangingPunct="1">
-              <a:lnSpc>
-                <a:spcPct val="90000"/>
-              </a:lnSpc>
-              <a:spcBef>
-                <a:spcPts val="500"/>
-              </a:spcBef>
-              <a:buFont typeface="Arial" panose="020B0604020202020204" pitchFamily="34" charset="0"/>
-              <a:buChar char="•"/>
-              <a:defRPr sz="1800" kern="1200">
-                <a:solidFill>
-                  <a:schemeClr val="tx1"/>
-                </a:solidFill>
-                <a:latin typeface="+mn-lt"/>
-                <a:ea typeface="+mn-ea"/>
-                <a:cs typeface="+mn-cs"/>
-              </a:defRPr>
-            </a:lvl5pPr>
-            <a:lvl6pPr marL="2514600" indent="-228600" algn="l" defTabSz="914400" rtl="0" eaLnBrk="1" latinLnBrk="0" hangingPunct="1">
-              <a:lnSpc>
-                <a:spcPct val="90000"/>
-              </a:lnSpc>
-              <a:spcBef>
-                <a:spcPts val="500"/>
-              </a:spcBef>
-              <a:buFont typeface="Arial" panose="020B0604020202020204" pitchFamily="34" charset="0"/>
-              <a:buChar char="•"/>
-              <a:defRPr sz="1800" kern="1200">
-                <a:solidFill>
-                  <a:schemeClr val="tx1"/>
-                </a:solidFill>
-                <a:latin typeface="+mn-lt"/>
-                <a:ea typeface="+mn-ea"/>
-                <a:cs typeface="+mn-cs"/>
-              </a:defRPr>
-            </a:lvl6pPr>
-            <a:lvl7pPr marL="2971800" indent="-228600" algn="l" defTabSz="914400" rtl="0" eaLnBrk="1" latinLnBrk="0" hangingPunct="1">
-              <a:lnSpc>
-                <a:spcPct val="90000"/>
-              </a:lnSpc>
-              <a:spcBef>
-                <a:spcPts val="500"/>
-              </a:spcBef>
-              <a:buFont typeface="Arial" panose="020B0604020202020204" pitchFamily="34" charset="0"/>
-              <a:buChar char="•"/>
-              <a:defRPr sz="1800" kern="1200">
-                <a:solidFill>
-                  <a:schemeClr val="tx1"/>
-                </a:solidFill>
-                <a:latin typeface="+mn-lt"/>
-                <a:ea typeface="+mn-ea"/>
-                <a:cs typeface="+mn-cs"/>
-              </a:defRPr>
-            </a:lvl7pPr>
-            <a:lvl8pPr marL="3429000" indent="-228600" algn="l" defTabSz="914400" rtl="0" eaLnBrk="1" latinLnBrk="0" hangingPunct="1">
-              <a:lnSpc>
-                <a:spcPct val="90000"/>
-              </a:lnSpc>
-              <a:spcBef>
-                <a:spcPts val="500"/>
-              </a:spcBef>
-              <a:buFont typeface="Arial" panose="020B0604020202020204" pitchFamily="34" charset="0"/>
-              <a:buChar char="•"/>
-              <a:defRPr sz="1800" kern="1200">
-                <a:solidFill>
-                  <a:schemeClr val="tx1"/>
-                </a:solidFill>
-                <a:latin typeface="+mn-lt"/>
-                <a:ea typeface="+mn-ea"/>
-                <a:cs typeface="+mn-cs"/>
-              </a:defRPr>
-            </a:lvl8pPr>
-            <a:lvl9pPr marL="3886200" indent="-228600" algn="l" defTabSz="914400" rtl="0" eaLnBrk="1" latinLnBrk="0" hangingPunct="1">
-              <a:lnSpc>
-                <a:spcPct val="90000"/>
-              </a:lnSpc>
-              <a:spcBef>
-                <a:spcPts val="500"/>
-              </a:spcBef>
-              <a:buFont typeface="Arial" panose="020B0604020202020204" pitchFamily="34" charset="0"/>
-              <a:buChar char="•"/>
-              <a:defRPr sz="1800" kern="1200">
-                <a:solidFill>
-                  <a:schemeClr val="tx1"/>
-                </a:solidFill>
-                <a:latin typeface="+mn-lt"/>
-                <a:ea typeface="+mn-ea"/>
-                <a:cs typeface="+mn-cs"/>
-              </a:defRPr>
-            </a:lvl9pPr>
-          </a:lstStyle>
-          <a:p>
-            <a:pPr marL="0" indent="0">
-              <a:buFont typeface="Arial" panose="020B0604020202020204" pitchFamily="34" charset="0"/>
-              <a:buNone/>
-            </a:pPr>
-            <a:r>
-              <a:rPr lang="ru-RU" sz="1800" dirty="0"/>
-              <a:t>Создание комментарий пользователей после поста о проблеме. </a:t>
-            </a:r>
-          </a:p>
-        </p:txBody>
-      </p:sp>
-      <p:sp>
-        <p:nvSpPr>
-          <p:cNvPr id="22" name="TextBox 21">
-            <a:extLst>
-              <a:ext uri="{FF2B5EF4-FFF2-40B4-BE49-F238E27FC236}">
-                <a16:creationId xmlns:a16="http://schemas.microsoft.com/office/drawing/2014/main" id="{E93DBC64-BEAA-4E7A-B39F-8FA2529EBA43}"/>
-              </a:ext>
-            </a:extLst>
-          </p:cNvPr>
-          <p:cNvSpPr txBox="1"/>
-          <p:nvPr/>
-        </p:nvSpPr>
-        <p:spPr>
-          <a:xfrm flipH="1">
-            <a:off x="6713586" y="5118738"/>
-            <a:ext cx="926074" cy="584775"/>
-          </a:xfrm>
-          <a:prstGeom prst="rect">
-            <a:avLst/>
-          </a:prstGeom>
-          <a:noFill/>
-        </p:spPr>
-        <p:txBody>
-          <a:bodyPr wrap="square" rtlCol="0">
-            <a:spAutoFit/>
-          </a:bodyPr>
-          <a:lstStyle/>
-          <a:p>
-            <a:r>
-              <a:rPr lang="ru-RU" sz="3200" dirty="0"/>
-              <a:t>0</a:t>
-            </a:r>
-            <a:r>
-              <a:rPr lang="en-US" sz="3200" dirty="0"/>
-              <a:t>6</a:t>
-            </a:r>
-            <a:endParaRPr lang="ru-RU" sz="3200" dirty="0"/>
-          </a:p>
-        </p:txBody>
-      </p:sp>
-      <p:sp>
-        <p:nvSpPr>
-          <p:cNvPr id="23" name="Прямоугольник 22">
-            <a:extLst>
-              <a:ext uri="{FF2B5EF4-FFF2-40B4-BE49-F238E27FC236}">
-                <a16:creationId xmlns:a16="http://schemas.microsoft.com/office/drawing/2014/main" id="{A48D6F86-68C6-497C-A9AB-B980FE70F6C0}"/>
-              </a:ext>
-            </a:extLst>
-          </p:cNvPr>
-          <p:cNvSpPr/>
-          <p:nvPr/>
-        </p:nvSpPr>
-        <p:spPr>
-          <a:xfrm>
-            <a:off x="651000" y="2799000"/>
-            <a:ext cx="588173" cy="584775"/>
-          </a:xfrm>
-          <a:prstGeom prst="rect">
-            <a:avLst/>
-          </a:prstGeom>
-          <a:ln>
-            <a:noFill/>
-          </a:ln>
-        </p:spPr>
-        <p:style>
-          <a:lnRef idx="2">
-            <a:schemeClr val="accent1">
-              <a:shade val="50000"/>
-            </a:schemeClr>
-          </a:lnRef>
-          <a:fillRef idx="1">
-            <a:schemeClr val="accent1"/>
-          </a:fillRef>
-          <a:effectRef idx="0">
-            <a:schemeClr val="accent1"/>
-          </a:effectRef>
-          <a:fontRef idx="minor">
-            <a:schemeClr val="lt1"/>
-          </a:fontRef>
-        </p:style>
-        <p:txBody>
-          <a:bodyPr rtlCol="0" anchor="ctr"/>
-          <a:lstStyle/>
-          <a:p>
-            <a:pPr algn="ctr"/>
-            <a:endParaRPr lang="ru-RU"/>
-          </a:p>
-        </p:txBody>
-      </p:sp>
-      <p:sp>
-        <p:nvSpPr>
-          <p:cNvPr id="24" name="Текст 9">
-            <a:extLst>
-              <a:ext uri="{FF2B5EF4-FFF2-40B4-BE49-F238E27FC236}">
-                <a16:creationId xmlns:a16="http://schemas.microsoft.com/office/drawing/2014/main" id="{3745C1A8-D3AF-4AD2-B2CF-526FDA5254E1}"/>
-              </a:ext>
-            </a:extLst>
-          </p:cNvPr>
-          <p:cNvSpPr txBox="1">
-            <a:spLocks/>
-          </p:cNvSpPr>
-          <p:nvPr/>
-        </p:nvSpPr>
-        <p:spPr>
-          <a:xfrm>
-            <a:off x="1233743" y="5167765"/>
-            <a:ext cx="4510471" cy="629774"/>
-          </a:xfrm>
-          <a:prstGeom prst="rect">
-            <a:avLst/>
-          </a:prstGeom>
-        </p:spPr>
-        <p:txBody>
-          <a:bodyPr>
-            <a:normAutofit/>
-          </a:bodyPr>
-          <a:lstStyle>
-            <a:lvl1pPr marL="228600" indent="-228600" algn="l" defTabSz="914400" rtl="0" eaLnBrk="1" latinLnBrk="0" hangingPunct="1">
-              <a:lnSpc>
-                <a:spcPct val="90000"/>
-              </a:lnSpc>
-              <a:spcBef>
-                <a:spcPts val="1000"/>
-              </a:spcBef>
-              <a:buFont typeface="Arial" panose="020B0604020202020204" pitchFamily="34" charset="0"/>
-              <a:buChar char="•"/>
-              <a:defRPr sz="2800" kern="1200">
-                <a:solidFill>
-                  <a:schemeClr val="tx1"/>
-                </a:solidFill>
-                <a:latin typeface="+mn-lt"/>
-                <a:ea typeface="+mn-ea"/>
-                <a:cs typeface="+mn-cs"/>
-              </a:defRPr>
-            </a:lvl1pPr>
-            <a:lvl2pPr marL="685800" indent="-228600" algn="l" defTabSz="914400" rtl="0" eaLnBrk="1" latinLnBrk="0" hangingPunct="1">
-              <a:lnSpc>
-                <a:spcPct val="90000"/>
-              </a:lnSpc>
-              <a:spcBef>
-                <a:spcPts val="500"/>
-              </a:spcBef>
-              <a:buFont typeface="Arial" panose="020B0604020202020204" pitchFamily="34" charset="0"/>
-              <a:buChar char="•"/>
-              <a:defRPr sz="2400" kern="1200">
-                <a:solidFill>
-                  <a:schemeClr val="tx1"/>
-                </a:solidFill>
-                <a:latin typeface="+mn-lt"/>
-                <a:ea typeface="+mn-ea"/>
-                <a:cs typeface="+mn-cs"/>
-              </a:defRPr>
-            </a:lvl2pPr>
-            <a:lvl3pPr marL="1143000" indent="-228600" algn="l" defTabSz="914400" rtl="0" eaLnBrk="1" latinLnBrk="0" hangingPunct="1">
-              <a:lnSpc>
-                <a:spcPct val="90000"/>
-              </a:lnSpc>
-              <a:spcBef>
-                <a:spcPts val="500"/>
-              </a:spcBef>
-              <a:buFont typeface="Arial" panose="020B0604020202020204" pitchFamily="34" charset="0"/>
-              <a:buChar char="•"/>
-              <a:defRPr sz="2000" kern="1200">
-                <a:solidFill>
-                  <a:schemeClr val="tx1"/>
-                </a:solidFill>
-                <a:latin typeface="+mn-lt"/>
-                <a:ea typeface="+mn-ea"/>
-                <a:cs typeface="+mn-cs"/>
-              </a:defRPr>
-            </a:lvl3pPr>
-            <a:lvl4pPr marL="1600200" indent="-228600" algn="l" defTabSz="914400" rtl="0" eaLnBrk="1" latinLnBrk="0" hangingPunct="1">
-              <a:lnSpc>
-                <a:spcPct val="90000"/>
-              </a:lnSpc>
-              <a:spcBef>
-                <a:spcPts val="500"/>
-              </a:spcBef>
-              <a:buFont typeface="Arial" panose="020B0604020202020204" pitchFamily="34" charset="0"/>
-              <a:buChar char="•"/>
-              <a:defRPr sz="1800" kern="1200">
-                <a:solidFill>
-                  <a:schemeClr val="tx1"/>
-                </a:solidFill>
-                <a:latin typeface="+mn-lt"/>
-                <a:ea typeface="+mn-ea"/>
-                <a:cs typeface="+mn-cs"/>
-              </a:defRPr>
-            </a:lvl4pPr>
-            <a:lvl5pPr marL="2057400" indent="-228600" algn="l" defTabSz="914400" rtl="0" eaLnBrk="1" latinLnBrk="0" hangingPunct="1">
-              <a:lnSpc>
-                <a:spcPct val="90000"/>
-              </a:lnSpc>
-              <a:spcBef>
-                <a:spcPts val="500"/>
-              </a:spcBef>
-              <a:buFont typeface="Arial" panose="020B0604020202020204" pitchFamily="34" charset="0"/>
-              <a:buChar char="•"/>
-              <a:defRPr sz="1800" kern="1200">
-                <a:solidFill>
-                  <a:schemeClr val="tx1"/>
-                </a:solidFill>
-                <a:latin typeface="+mn-lt"/>
-                <a:ea typeface="+mn-ea"/>
-                <a:cs typeface="+mn-cs"/>
-              </a:defRPr>
-            </a:lvl5pPr>
-            <a:lvl6pPr marL="2514600" indent="-228600" algn="l" defTabSz="914400" rtl="0" eaLnBrk="1" latinLnBrk="0" hangingPunct="1">
-              <a:lnSpc>
-                <a:spcPct val="90000"/>
-              </a:lnSpc>
-              <a:spcBef>
-                <a:spcPts val="500"/>
-              </a:spcBef>
-              <a:buFont typeface="Arial" panose="020B0604020202020204" pitchFamily="34" charset="0"/>
-              <a:buChar char="•"/>
-              <a:defRPr sz="1800" kern="1200">
-                <a:solidFill>
-                  <a:schemeClr val="tx1"/>
-                </a:solidFill>
-                <a:latin typeface="+mn-lt"/>
-                <a:ea typeface="+mn-ea"/>
-                <a:cs typeface="+mn-cs"/>
-              </a:defRPr>
-            </a:lvl6pPr>
-            <a:lvl7pPr marL="2971800" indent="-228600" algn="l" defTabSz="914400" rtl="0" eaLnBrk="1" latinLnBrk="0" hangingPunct="1">
-              <a:lnSpc>
-                <a:spcPct val="90000"/>
-              </a:lnSpc>
-              <a:spcBef>
-                <a:spcPts val="500"/>
-              </a:spcBef>
-              <a:buFont typeface="Arial" panose="020B0604020202020204" pitchFamily="34" charset="0"/>
-              <a:buChar char="•"/>
-              <a:defRPr sz="1800" kern="1200">
-                <a:solidFill>
-                  <a:schemeClr val="tx1"/>
-                </a:solidFill>
-                <a:latin typeface="+mn-lt"/>
-                <a:ea typeface="+mn-ea"/>
-                <a:cs typeface="+mn-cs"/>
-              </a:defRPr>
-            </a:lvl7pPr>
-            <a:lvl8pPr marL="3429000" indent="-228600" algn="l" defTabSz="914400" rtl="0" eaLnBrk="1" latinLnBrk="0" hangingPunct="1">
-              <a:lnSpc>
-                <a:spcPct val="90000"/>
-              </a:lnSpc>
-              <a:spcBef>
-                <a:spcPts val="500"/>
-              </a:spcBef>
-              <a:buFont typeface="Arial" panose="020B0604020202020204" pitchFamily="34" charset="0"/>
-              <a:buChar char="•"/>
-              <a:defRPr sz="1800" kern="1200">
-                <a:solidFill>
-                  <a:schemeClr val="tx1"/>
-                </a:solidFill>
-                <a:latin typeface="+mn-lt"/>
-                <a:ea typeface="+mn-ea"/>
-                <a:cs typeface="+mn-cs"/>
-              </a:defRPr>
-            </a:lvl8pPr>
-            <a:lvl9pPr marL="3886200" indent="-228600" algn="l" defTabSz="914400" rtl="0" eaLnBrk="1" latinLnBrk="0" hangingPunct="1">
-              <a:lnSpc>
-                <a:spcPct val="90000"/>
-              </a:lnSpc>
-              <a:spcBef>
-                <a:spcPts val="500"/>
-              </a:spcBef>
-              <a:buFont typeface="Arial" panose="020B0604020202020204" pitchFamily="34" charset="0"/>
-              <a:buChar char="•"/>
-              <a:defRPr sz="1800" kern="1200">
-                <a:solidFill>
-                  <a:schemeClr val="tx1"/>
-                </a:solidFill>
-                <a:latin typeface="+mn-lt"/>
-                <a:ea typeface="+mn-ea"/>
-                <a:cs typeface="+mn-cs"/>
-              </a:defRPr>
-            </a:lvl9pPr>
-          </a:lstStyle>
-          <a:p>
-            <a:pPr marL="0" indent="0">
-              <a:buFont typeface="Arial" panose="020B0604020202020204" pitchFamily="34" charset="0"/>
-              <a:buNone/>
-            </a:pPr>
-            <a:r>
-              <a:rPr lang="ru-RU" sz="1800" dirty="0"/>
-              <a:t>Возможность удалять точки на карте</a:t>
-            </a:r>
-            <a:r>
-              <a:rPr lang="ru-RU" sz="1400" dirty="0"/>
-              <a:t>. </a:t>
-            </a:r>
-          </a:p>
-        </p:txBody>
-      </p:sp>
-      <p:sp>
-        <p:nvSpPr>
-          <p:cNvPr id="25" name="TextBox 24">
-            <a:extLst>
-              <a:ext uri="{FF2B5EF4-FFF2-40B4-BE49-F238E27FC236}">
-                <a16:creationId xmlns:a16="http://schemas.microsoft.com/office/drawing/2014/main" id="{3A46C9B7-A0A8-464D-891E-12A3180D6383}"/>
-              </a:ext>
-            </a:extLst>
-          </p:cNvPr>
-          <p:cNvSpPr txBox="1"/>
-          <p:nvPr/>
-        </p:nvSpPr>
-        <p:spPr>
-          <a:xfrm flipH="1">
-            <a:off x="664062" y="2799000"/>
-            <a:ext cx="926074" cy="584775"/>
-          </a:xfrm>
-          <a:prstGeom prst="rect">
-            <a:avLst/>
-          </a:prstGeom>
-          <a:noFill/>
-        </p:spPr>
-        <p:txBody>
-          <a:bodyPr wrap="square" rtlCol="0">
-            <a:spAutoFit/>
-          </a:bodyPr>
-          <a:lstStyle/>
-          <a:p>
-            <a:r>
-              <a:rPr lang="ru-RU" sz="3200" dirty="0"/>
-              <a:t>01</a:t>
-            </a:r>
-          </a:p>
-        </p:txBody>
-      </p:sp>
-      <p:sp>
-        <p:nvSpPr>
-          <p:cNvPr id="26" name="Прямоугольник 25">
-            <a:extLst>
-              <a:ext uri="{FF2B5EF4-FFF2-40B4-BE49-F238E27FC236}">
-                <a16:creationId xmlns:a16="http://schemas.microsoft.com/office/drawing/2014/main" id="{4E004C5D-3383-44A2-AE6A-5E9842797EEE}"/>
-              </a:ext>
-            </a:extLst>
-          </p:cNvPr>
-          <p:cNvSpPr/>
-          <p:nvPr/>
-        </p:nvSpPr>
-        <p:spPr>
-          <a:xfrm>
-            <a:off x="651000" y="3966868"/>
-            <a:ext cx="588173" cy="584775"/>
-          </a:xfrm>
-          <a:prstGeom prst="rect">
-            <a:avLst/>
-          </a:prstGeom>
-          <a:ln>
-            <a:noFill/>
-          </a:ln>
-        </p:spPr>
-        <p:style>
-          <a:lnRef idx="2">
-            <a:schemeClr val="accent1">
-              <a:shade val="50000"/>
-            </a:schemeClr>
-          </a:lnRef>
-          <a:fillRef idx="1">
-            <a:schemeClr val="accent1"/>
-          </a:fillRef>
-          <a:effectRef idx="0">
-            <a:schemeClr val="accent1"/>
-          </a:effectRef>
-          <a:fontRef idx="minor">
-            <a:schemeClr val="lt1"/>
-          </a:fontRef>
-        </p:style>
-        <p:txBody>
-          <a:bodyPr rtlCol="0" anchor="ctr"/>
-          <a:lstStyle/>
-          <a:p>
-            <a:pPr algn="ctr"/>
-            <a:endParaRPr lang="ru-RU"/>
-          </a:p>
-        </p:txBody>
-      </p:sp>
-      <p:sp>
-        <p:nvSpPr>
-          <p:cNvPr id="27" name="Текст 9">
-            <a:extLst>
-              <a:ext uri="{FF2B5EF4-FFF2-40B4-BE49-F238E27FC236}">
-                <a16:creationId xmlns:a16="http://schemas.microsoft.com/office/drawing/2014/main" id="{A871B856-E2A9-41F5-B30E-117B49253B76}"/>
-              </a:ext>
-            </a:extLst>
-          </p:cNvPr>
-          <p:cNvSpPr txBox="1">
-            <a:spLocks/>
-          </p:cNvSpPr>
-          <p:nvPr/>
-        </p:nvSpPr>
-        <p:spPr>
-          <a:xfrm>
-            <a:off x="1281000" y="3956332"/>
-            <a:ext cx="4510471" cy="989862"/>
-          </a:xfrm>
-          <a:prstGeom prst="rect">
-            <a:avLst/>
-          </a:prstGeom>
-        </p:spPr>
-        <p:txBody>
-          <a:bodyPr>
-            <a:normAutofit/>
-          </a:bodyPr>
-          <a:lstStyle>
-            <a:lvl1pPr marL="228600" indent="-228600" algn="l" defTabSz="914400" rtl="0" eaLnBrk="1" latinLnBrk="0" hangingPunct="1">
-              <a:lnSpc>
-                <a:spcPct val="90000"/>
-              </a:lnSpc>
-              <a:spcBef>
-                <a:spcPts val="1000"/>
-              </a:spcBef>
-              <a:buFont typeface="Arial" panose="020B0604020202020204" pitchFamily="34" charset="0"/>
-              <a:buChar char="•"/>
-              <a:defRPr sz="2800" kern="1200">
-                <a:solidFill>
-                  <a:schemeClr val="tx1"/>
-                </a:solidFill>
-                <a:latin typeface="+mn-lt"/>
-                <a:ea typeface="+mn-ea"/>
-                <a:cs typeface="+mn-cs"/>
-              </a:defRPr>
-            </a:lvl1pPr>
-            <a:lvl2pPr marL="685800" indent="-228600" algn="l" defTabSz="914400" rtl="0" eaLnBrk="1" latinLnBrk="0" hangingPunct="1">
-              <a:lnSpc>
-                <a:spcPct val="90000"/>
-              </a:lnSpc>
-              <a:spcBef>
-                <a:spcPts val="500"/>
-              </a:spcBef>
-              <a:buFont typeface="Arial" panose="020B0604020202020204" pitchFamily="34" charset="0"/>
-              <a:buChar char="•"/>
-              <a:defRPr sz="2400" kern="1200">
-                <a:solidFill>
-                  <a:schemeClr val="tx1"/>
-                </a:solidFill>
-                <a:latin typeface="+mn-lt"/>
-                <a:ea typeface="+mn-ea"/>
-                <a:cs typeface="+mn-cs"/>
-              </a:defRPr>
-            </a:lvl2pPr>
-            <a:lvl3pPr marL="1143000" indent="-228600" algn="l" defTabSz="914400" rtl="0" eaLnBrk="1" latinLnBrk="0" hangingPunct="1">
-              <a:lnSpc>
-                <a:spcPct val="90000"/>
-              </a:lnSpc>
-              <a:spcBef>
-                <a:spcPts val="500"/>
-              </a:spcBef>
-              <a:buFont typeface="Arial" panose="020B0604020202020204" pitchFamily="34" charset="0"/>
-              <a:buChar char="•"/>
-              <a:defRPr sz="2000" kern="1200">
-                <a:solidFill>
-                  <a:schemeClr val="tx1"/>
-                </a:solidFill>
-                <a:latin typeface="+mn-lt"/>
-                <a:ea typeface="+mn-ea"/>
-                <a:cs typeface="+mn-cs"/>
-              </a:defRPr>
-            </a:lvl3pPr>
-            <a:lvl4pPr marL="1600200" indent="-228600" algn="l" defTabSz="914400" rtl="0" eaLnBrk="1" latinLnBrk="0" hangingPunct="1">
-              <a:lnSpc>
-                <a:spcPct val="90000"/>
-              </a:lnSpc>
-              <a:spcBef>
-                <a:spcPts val="500"/>
-              </a:spcBef>
-              <a:buFont typeface="Arial" panose="020B0604020202020204" pitchFamily="34" charset="0"/>
-              <a:buChar char="•"/>
-              <a:defRPr sz="1800" kern="1200">
-                <a:solidFill>
-                  <a:schemeClr val="tx1"/>
-                </a:solidFill>
-                <a:latin typeface="+mn-lt"/>
-                <a:ea typeface="+mn-ea"/>
-                <a:cs typeface="+mn-cs"/>
-              </a:defRPr>
-            </a:lvl4pPr>
-            <a:lvl5pPr marL="2057400" indent="-228600" algn="l" defTabSz="914400" rtl="0" eaLnBrk="1" latinLnBrk="0" hangingPunct="1">
-              <a:lnSpc>
-                <a:spcPct val="90000"/>
-              </a:lnSpc>
-              <a:spcBef>
-                <a:spcPts val="500"/>
-              </a:spcBef>
-              <a:buFont typeface="Arial" panose="020B0604020202020204" pitchFamily="34" charset="0"/>
-              <a:buChar char="•"/>
-              <a:defRPr sz="1800" kern="1200">
-                <a:solidFill>
-                  <a:schemeClr val="tx1"/>
-                </a:solidFill>
-                <a:latin typeface="+mn-lt"/>
-                <a:ea typeface="+mn-ea"/>
-                <a:cs typeface="+mn-cs"/>
-              </a:defRPr>
-            </a:lvl5pPr>
-            <a:lvl6pPr marL="2514600" indent="-228600" algn="l" defTabSz="914400" rtl="0" eaLnBrk="1" latinLnBrk="0" hangingPunct="1">
-              <a:lnSpc>
-                <a:spcPct val="90000"/>
-              </a:lnSpc>
-              <a:spcBef>
-                <a:spcPts val="500"/>
-              </a:spcBef>
-              <a:buFont typeface="Arial" panose="020B0604020202020204" pitchFamily="34" charset="0"/>
-              <a:buChar char="•"/>
-              <a:defRPr sz="1800" kern="1200">
-                <a:solidFill>
-                  <a:schemeClr val="tx1"/>
-                </a:solidFill>
-                <a:latin typeface="+mn-lt"/>
-                <a:ea typeface="+mn-ea"/>
-                <a:cs typeface="+mn-cs"/>
-              </a:defRPr>
-            </a:lvl6pPr>
-            <a:lvl7pPr marL="2971800" indent="-228600" algn="l" defTabSz="914400" rtl="0" eaLnBrk="1" latinLnBrk="0" hangingPunct="1">
-              <a:lnSpc>
-                <a:spcPct val="90000"/>
-              </a:lnSpc>
-              <a:spcBef>
-                <a:spcPts val="500"/>
-              </a:spcBef>
-              <a:buFont typeface="Arial" panose="020B0604020202020204" pitchFamily="34" charset="0"/>
-              <a:buChar char="•"/>
-              <a:defRPr sz="1800" kern="1200">
-                <a:solidFill>
-                  <a:schemeClr val="tx1"/>
-                </a:solidFill>
-                <a:latin typeface="+mn-lt"/>
-                <a:ea typeface="+mn-ea"/>
-                <a:cs typeface="+mn-cs"/>
-              </a:defRPr>
-            </a:lvl7pPr>
-            <a:lvl8pPr marL="3429000" indent="-228600" algn="l" defTabSz="914400" rtl="0" eaLnBrk="1" latinLnBrk="0" hangingPunct="1">
-              <a:lnSpc>
-                <a:spcPct val="90000"/>
-              </a:lnSpc>
-              <a:spcBef>
-                <a:spcPts val="500"/>
-              </a:spcBef>
-              <a:buFont typeface="Arial" panose="020B0604020202020204" pitchFamily="34" charset="0"/>
-              <a:buChar char="•"/>
-              <a:defRPr sz="1800" kern="1200">
-                <a:solidFill>
-                  <a:schemeClr val="tx1"/>
-                </a:solidFill>
-                <a:latin typeface="+mn-lt"/>
-                <a:ea typeface="+mn-ea"/>
-                <a:cs typeface="+mn-cs"/>
-              </a:defRPr>
-            </a:lvl8pPr>
-            <a:lvl9pPr marL="3886200" indent="-228600" algn="l" defTabSz="914400" rtl="0" eaLnBrk="1" latinLnBrk="0" hangingPunct="1">
-              <a:lnSpc>
-                <a:spcPct val="90000"/>
-              </a:lnSpc>
-              <a:spcBef>
-                <a:spcPts val="500"/>
-              </a:spcBef>
-              <a:buFont typeface="Arial" panose="020B0604020202020204" pitchFamily="34" charset="0"/>
-              <a:buChar char="•"/>
-              <a:defRPr sz="1800" kern="1200">
-                <a:solidFill>
-                  <a:schemeClr val="tx1"/>
-                </a:solidFill>
-                <a:latin typeface="+mn-lt"/>
-                <a:ea typeface="+mn-ea"/>
-                <a:cs typeface="+mn-cs"/>
-              </a:defRPr>
-            </a:lvl9pPr>
-          </a:lstStyle>
-          <a:p>
-            <a:pPr marL="0" indent="0">
-              <a:buFont typeface="Arial" panose="020B0604020202020204" pitchFamily="34" charset="0"/>
-              <a:buNone/>
-            </a:pPr>
-            <a:r>
-              <a:rPr lang="ru-RU" sz="1800" dirty="0"/>
-              <a:t>Открытие всплывающего окна при нажатии на точку</a:t>
-            </a:r>
-            <a:r>
-              <a:rPr lang="ru-RU" sz="1400" dirty="0"/>
-              <a:t>.</a:t>
-            </a:r>
-          </a:p>
-        </p:txBody>
-      </p:sp>
-      <p:sp>
-        <p:nvSpPr>
-          <p:cNvPr id="28" name="TextBox 27">
-            <a:extLst>
-              <a:ext uri="{FF2B5EF4-FFF2-40B4-BE49-F238E27FC236}">
-                <a16:creationId xmlns:a16="http://schemas.microsoft.com/office/drawing/2014/main" id="{3EB2804A-3E60-4D5A-9D31-3C8577FB2E9C}"/>
-              </a:ext>
-            </a:extLst>
-          </p:cNvPr>
-          <p:cNvSpPr txBox="1"/>
-          <p:nvPr/>
-        </p:nvSpPr>
-        <p:spPr>
-          <a:xfrm flipH="1">
-            <a:off x="664062" y="3983706"/>
-            <a:ext cx="926074" cy="584775"/>
-          </a:xfrm>
-          <a:prstGeom prst="rect">
-            <a:avLst/>
-          </a:prstGeom>
-          <a:noFill/>
-        </p:spPr>
-        <p:txBody>
-          <a:bodyPr wrap="square" rtlCol="0">
-            <a:spAutoFit/>
-          </a:bodyPr>
-          <a:lstStyle/>
-          <a:p>
-            <a:r>
-              <a:rPr lang="ru-RU" sz="3200" dirty="0"/>
-              <a:t>0</a:t>
-            </a:r>
-            <a:r>
-              <a:rPr lang="en-US" sz="3200" dirty="0"/>
-              <a:t>2</a:t>
-            </a:r>
-            <a:endParaRPr lang="ru-RU" sz="3200" dirty="0"/>
-          </a:p>
-        </p:txBody>
-      </p:sp>
-      <p:sp>
-        <p:nvSpPr>
-          <p:cNvPr id="29" name="Прямоугольник 28">
-            <a:extLst>
-              <a:ext uri="{FF2B5EF4-FFF2-40B4-BE49-F238E27FC236}">
-                <a16:creationId xmlns:a16="http://schemas.microsoft.com/office/drawing/2014/main" id="{A2E86395-4811-46EC-90C5-32A327F5BD6C}"/>
-              </a:ext>
-            </a:extLst>
-          </p:cNvPr>
-          <p:cNvSpPr/>
-          <p:nvPr/>
-        </p:nvSpPr>
-        <p:spPr>
-          <a:xfrm>
-            <a:off x="651000" y="5134736"/>
-            <a:ext cx="588173" cy="584775"/>
-          </a:xfrm>
-          <a:prstGeom prst="rect">
-            <a:avLst/>
-          </a:prstGeom>
-          <a:ln>
-            <a:noFill/>
-          </a:ln>
-        </p:spPr>
-        <p:style>
-          <a:lnRef idx="2">
-            <a:schemeClr val="accent1">
-              <a:shade val="50000"/>
-            </a:schemeClr>
-          </a:lnRef>
-          <a:fillRef idx="1">
-            <a:schemeClr val="accent1"/>
-          </a:fillRef>
-          <a:effectRef idx="0">
-            <a:schemeClr val="accent1"/>
-          </a:effectRef>
-          <a:fontRef idx="minor">
-            <a:schemeClr val="lt1"/>
-          </a:fontRef>
-        </p:style>
-        <p:txBody>
-          <a:bodyPr rtlCol="0" anchor="ctr"/>
-          <a:lstStyle/>
-          <a:p>
-            <a:pPr algn="ctr"/>
-            <a:endParaRPr lang="ru-RU"/>
-          </a:p>
-        </p:txBody>
-      </p:sp>
-      <p:sp>
-        <p:nvSpPr>
-          <p:cNvPr id="30" name="Текст 9">
-            <a:extLst>
-              <a:ext uri="{FF2B5EF4-FFF2-40B4-BE49-F238E27FC236}">
-                <a16:creationId xmlns:a16="http://schemas.microsoft.com/office/drawing/2014/main" id="{E3387B35-76F0-4D51-9E5D-99C4920A972F}"/>
-              </a:ext>
-            </a:extLst>
-          </p:cNvPr>
-          <p:cNvSpPr txBox="1">
-            <a:spLocks/>
-          </p:cNvSpPr>
-          <p:nvPr/>
-        </p:nvSpPr>
-        <p:spPr>
-          <a:xfrm>
-            <a:off x="7401000" y="2799000"/>
-            <a:ext cx="4510471" cy="989862"/>
-          </a:xfrm>
-          <a:prstGeom prst="rect">
-            <a:avLst/>
-          </a:prstGeom>
-        </p:spPr>
-        <p:txBody>
-          <a:bodyPr>
-            <a:normAutofit/>
-          </a:bodyPr>
-          <a:lstStyle>
-            <a:lvl1pPr marL="228600" indent="-228600" algn="l" defTabSz="914400" rtl="0" eaLnBrk="1" latinLnBrk="0" hangingPunct="1">
-              <a:lnSpc>
-                <a:spcPct val="90000"/>
-              </a:lnSpc>
-              <a:spcBef>
-                <a:spcPts val="1000"/>
-              </a:spcBef>
-              <a:buFont typeface="Arial" panose="020B0604020202020204" pitchFamily="34" charset="0"/>
-              <a:buChar char="•"/>
-              <a:defRPr sz="2800" kern="1200">
-                <a:solidFill>
-                  <a:schemeClr val="tx1"/>
-                </a:solidFill>
-                <a:latin typeface="+mn-lt"/>
-                <a:ea typeface="+mn-ea"/>
-                <a:cs typeface="+mn-cs"/>
-              </a:defRPr>
-            </a:lvl1pPr>
-            <a:lvl2pPr marL="685800" indent="-228600" algn="l" defTabSz="914400" rtl="0" eaLnBrk="1" latinLnBrk="0" hangingPunct="1">
-              <a:lnSpc>
-                <a:spcPct val="90000"/>
-              </a:lnSpc>
-              <a:spcBef>
-                <a:spcPts val="500"/>
-              </a:spcBef>
-              <a:buFont typeface="Arial" panose="020B0604020202020204" pitchFamily="34" charset="0"/>
-              <a:buChar char="•"/>
-              <a:defRPr sz="2400" kern="1200">
-                <a:solidFill>
-                  <a:schemeClr val="tx1"/>
-                </a:solidFill>
-                <a:latin typeface="+mn-lt"/>
-                <a:ea typeface="+mn-ea"/>
-                <a:cs typeface="+mn-cs"/>
-              </a:defRPr>
-            </a:lvl2pPr>
-            <a:lvl3pPr marL="1143000" indent="-228600" algn="l" defTabSz="914400" rtl="0" eaLnBrk="1" latinLnBrk="0" hangingPunct="1">
-              <a:lnSpc>
-                <a:spcPct val="90000"/>
-              </a:lnSpc>
-              <a:spcBef>
-                <a:spcPts val="500"/>
-              </a:spcBef>
-              <a:buFont typeface="Arial" panose="020B0604020202020204" pitchFamily="34" charset="0"/>
-              <a:buChar char="•"/>
-              <a:defRPr sz="2000" kern="1200">
-                <a:solidFill>
-                  <a:schemeClr val="tx1"/>
-                </a:solidFill>
-                <a:latin typeface="+mn-lt"/>
-                <a:ea typeface="+mn-ea"/>
-                <a:cs typeface="+mn-cs"/>
-              </a:defRPr>
-            </a:lvl3pPr>
-            <a:lvl4pPr marL="1600200" indent="-228600" algn="l" defTabSz="914400" rtl="0" eaLnBrk="1" latinLnBrk="0" hangingPunct="1">
-              <a:lnSpc>
-                <a:spcPct val="90000"/>
-              </a:lnSpc>
-              <a:spcBef>
-                <a:spcPts val="500"/>
-              </a:spcBef>
-              <a:buFont typeface="Arial" panose="020B0604020202020204" pitchFamily="34" charset="0"/>
-              <a:buChar char="•"/>
-              <a:defRPr sz="1800" kern="1200">
-                <a:solidFill>
-                  <a:schemeClr val="tx1"/>
-                </a:solidFill>
-                <a:latin typeface="+mn-lt"/>
-                <a:ea typeface="+mn-ea"/>
-                <a:cs typeface="+mn-cs"/>
-              </a:defRPr>
-            </a:lvl4pPr>
-            <a:lvl5pPr marL="2057400" indent="-228600" algn="l" defTabSz="914400" rtl="0" eaLnBrk="1" latinLnBrk="0" hangingPunct="1">
-              <a:lnSpc>
-                <a:spcPct val="90000"/>
-              </a:lnSpc>
-              <a:spcBef>
-                <a:spcPts val="500"/>
-              </a:spcBef>
-              <a:buFont typeface="Arial" panose="020B0604020202020204" pitchFamily="34" charset="0"/>
-              <a:buChar char="•"/>
-              <a:defRPr sz="1800" kern="1200">
-                <a:solidFill>
-                  <a:schemeClr val="tx1"/>
-                </a:solidFill>
-                <a:latin typeface="+mn-lt"/>
-                <a:ea typeface="+mn-ea"/>
-                <a:cs typeface="+mn-cs"/>
-              </a:defRPr>
-            </a:lvl5pPr>
-            <a:lvl6pPr marL="2514600" indent="-228600" algn="l" defTabSz="914400" rtl="0" eaLnBrk="1" latinLnBrk="0" hangingPunct="1">
-              <a:lnSpc>
-                <a:spcPct val="90000"/>
-              </a:lnSpc>
-              <a:spcBef>
-                <a:spcPts val="500"/>
-              </a:spcBef>
-              <a:buFont typeface="Arial" panose="020B0604020202020204" pitchFamily="34" charset="0"/>
-              <a:buChar char="•"/>
-              <a:defRPr sz="1800" kern="1200">
-                <a:solidFill>
-                  <a:schemeClr val="tx1"/>
-                </a:solidFill>
-                <a:latin typeface="+mn-lt"/>
-                <a:ea typeface="+mn-ea"/>
-                <a:cs typeface="+mn-cs"/>
-              </a:defRPr>
-            </a:lvl6pPr>
-            <a:lvl7pPr marL="2971800" indent="-228600" algn="l" defTabSz="914400" rtl="0" eaLnBrk="1" latinLnBrk="0" hangingPunct="1">
-              <a:lnSpc>
-                <a:spcPct val="90000"/>
-              </a:lnSpc>
-              <a:spcBef>
-                <a:spcPts val="500"/>
-              </a:spcBef>
-              <a:buFont typeface="Arial" panose="020B0604020202020204" pitchFamily="34" charset="0"/>
-              <a:buChar char="•"/>
-              <a:defRPr sz="1800" kern="1200">
-                <a:solidFill>
-                  <a:schemeClr val="tx1"/>
-                </a:solidFill>
-                <a:latin typeface="+mn-lt"/>
-                <a:ea typeface="+mn-ea"/>
-                <a:cs typeface="+mn-cs"/>
-              </a:defRPr>
-            </a:lvl7pPr>
-            <a:lvl8pPr marL="3429000" indent="-228600" algn="l" defTabSz="914400" rtl="0" eaLnBrk="1" latinLnBrk="0" hangingPunct="1">
-              <a:lnSpc>
-                <a:spcPct val="90000"/>
-              </a:lnSpc>
-              <a:spcBef>
-                <a:spcPts val="500"/>
-              </a:spcBef>
-              <a:buFont typeface="Arial" panose="020B0604020202020204" pitchFamily="34" charset="0"/>
-              <a:buChar char="•"/>
-              <a:defRPr sz="1800" kern="1200">
-                <a:solidFill>
-                  <a:schemeClr val="tx1"/>
-                </a:solidFill>
-                <a:latin typeface="+mn-lt"/>
-                <a:ea typeface="+mn-ea"/>
-                <a:cs typeface="+mn-cs"/>
-              </a:defRPr>
-            </a:lvl8pPr>
-            <a:lvl9pPr marL="3886200" indent="-228600" algn="l" defTabSz="914400" rtl="0" eaLnBrk="1" latinLnBrk="0" hangingPunct="1">
-              <a:lnSpc>
-                <a:spcPct val="90000"/>
-              </a:lnSpc>
-              <a:spcBef>
-                <a:spcPts val="500"/>
-              </a:spcBef>
-              <a:buFont typeface="Arial" panose="020B0604020202020204" pitchFamily="34" charset="0"/>
-              <a:buChar char="•"/>
-              <a:defRPr sz="1800" kern="1200">
-                <a:solidFill>
-                  <a:schemeClr val="tx1"/>
-                </a:solidFill>
-                <a:latin typeface="+mn-lt"/>
-                <a:ea typeface="+mn-ea"/>
-                <a:cs typeface="+mn-cs"/>
-              </a:defRPr>
-            </a:lvl9pPr>
-          </a:lstStyle>
-          <a:p>
-            <a:pPr marL="0" indent="0">
-              <a:buFont typeface="Arial" panose="020B0604020202020204" pitchFamily="34" charset="0"/>
-              <a:buNone/>
-            </a:pPr>
-            <a:r>
-              <a:rPr lang="ru-RU" sz="1800" dirty="0"/>
-              <a:t>Возможность граждан соглашаться с проблемами и голосовать за них.</a:t>
-            </a:r>
-          </a:p>
-        </p:txBody>
-      </p:sp>
-      <p:sp>
-        <p:nvSpPr>
-          <p:cNvPr id="31" name="TextBox 30">
-            <a:extLst>
-              <a:ext uri="{FF2B5EF4-FFF2-40B4-BE49-F238E27FC236}">
-                <a16:creationId xmlns:a16="http://schemas.microsoft.com/office/drawing/2014/main" id="{73DB2438-2B15-4A85-8629-409DA90D9A8A}"/>
-              </a:ext>
-            </a:extLst>
-          </p:cNvPr>
-          <p:cNvSpPr txBox="1"/>
-          <p:nvPr/>
-        </p:nvSpPr>
-        <p:spPr>
-          <a:xfrm flipH="1">
-            <a:off x="664062" y="5134736"/>
-            <a:ext cx="926074" cy="584775"/>
-          </a:xfrm>
-          <a:prstGeom prst="rect">
-            <a:avLst/>
-          </a:prstGeom>
-          <a:noFill/>
-        </p:spPr>
-        <p:txBody>
-          <a:bodyPr wrap="square" rtlCol="0">
-            <a:spAutoFit/>
-          </a:bodyPr>
-          <a:lstStyle/>
-          <a:p>
-            <a:r>
-              <a:rPr lang="ru-RU" sz="3200" dirty="0"/>
-              <a:t>0</a:t>
-            </a:r>
-            <a:r>
-              <a:rPr lang="en-US" sz="3200" dirty="0"/>
-              <a:t>3</a:t>
-            </a:r>
-            <a:endParaRPr lang="ru-RU" sz="3200" dirty="0"/>
-          </a:p>
-        </p:txBody>
-      </p:sp>
-      <p:cxnSp>
-        <p:nvCxnSpPr>
-          <p:cNvPr id="4" name="Прямая соединительная линия 3"/>
-          <p:cNvCxnSpPr/>
-          <p:nvPr/>
-        </p:nvCxnSpPr>
-        <p:spPr>
-          <a:xfrm>
-            <a:off x="1239173" y="3383775"/>
-            <a:ext cx="4181827" cy="27117"/>
-          </a:xfrm>
-          <a:prstGeom prst="line">
-            <a:avLst/>
-          </a:prstGeom>
-          <a:ln>
-            <a:solidFill>
-              <a:srgbClr val="7030A0"/>
-            </a:solidFill>
-          </a:ln>
-        </p:spPr>
-        <p:style>
-          <a:lnRef idx="1">
-            <a:schemeClr val="dk1"/>
-          </a:lnRef>
-          <a:fillRef idx="0">
-            <a:schemeClr val="dk1"/>
-          </a:fillRef>
-          <a:effectRef idx="0">
-            <a:schemeClr val="dk1"/>
-          </a:effectRef>
-          <a:fontRef idx="minor">
-            <a:schemeClr val="tx1"/>
-          </a:fontRef>
-        </p:style>
-      </p:cxnSp>
-      <p:cxnSp>
-        <p:nvCxnSpPr>
-          <p:cNvPr id="32" name="Прямая соединительная линия 31"/>
-          <p:cNvCxnSpPr/>
-          <p:nvPr/>
-        </p:nvCxnSpPr>
-        <p:spPr>
-          <a:xfrm>
-            <a:off x="1223467" y="4538084"/>
-            <a:ext cx="4181827" cy="27117"/>
-          </a:xfrm>
-          <a:prstGeom prst="line">
-            <a:avLst/>
-          </a:prstGeom>
-          <a:ln>
-            <a:solidFill>
-              <a:srgbClr val="0070C0"/>
-            </a:solidFill>
-          </a:ln>
-        </p:spPr>
-        <p:style>
-          <a:lnRef idx="1">
-            <a:schemeClr val="dk1"/>
-          </a:lnRef>
-          <a:fillRef idx="0">
-            <a:schemeClr val="dk1"/>
-          </a:fillRef>
-          <a:effectRef idx="0">
-            <a:schemeClr val="dk1"/>
-          </a:effectRef>
-          <a:fontRef idx="minor">
-            <a:schemeClr val="tx1"/>
-          </a:fontRef>
-        </p:style>
-      </p:cxnSp>
-      <p:cxnSp>
-        <p:nvCxnSpPr>
-          <p:cNvPr id="33" name="Прямая соединительная линия 32"/>
-          <p:cNvCxnSpPr/>
-          <p:nvPr/>
-        </p:nvCxnSpPr>
-        <p:spPr>
-          <a:xfrm>
-            <a:off x="1223467" y="5663111"/>
-            <a:ext cx="4181827" cy="27117"/>
-          </a:xfrm>
-          <a:prstGeom prst="line">
-            <a:avLst/>
-          </a:prstGeom>
-          <a:ln>
-            <a:solidFill>
-              <a:srgbClr val="0070C0"/>
-            </a:solidFill>
-          </a:ln>
-        </p:spPr>
-        <p:style>
-          <a:lnRef idx="1">
-            <a:schemeClr val="dk1"/>
-          </a:lnRef>
-          <a:fillRef idx="0">
-            <a:schemeClr val="dk1"/>
-          </a:fillRef>
-          <a:effectRef idx="0">
-            <a:schemeClr val="dk1"/>
-          </a:effectRef>
-          <a:fontRef idx="minor">
-            <a:schemeClr val="tx1"/>
-          </a:fontRef>
-        </p:style>
-      </p:cxnSp>
-      <p:cxnSp>
-        <p:nvCxnSpPr>
-          <p:cNvPr id="34" name="Прямая соединительная линия 33"/>
-          <p:cNvCxnSpPr/>
-          <p:nvPr/>
-        </p:nvCxnSpPr>
-        <p:spPr>
-          <a:xfrm>
-            <a:off x="7301502" y="3356658"/>
-            <a:ext cx="4181827" cy="27117"/>
-          </a:xfrm>
-          <a:prstGeom prst="line">
-            <a:avLst/>
-          </a:prstGeom>
-          <a:ln>
-            <a:solidFill>
-              <a:srgbClr val="0070C0"/>
-            </a:solidFill>
-          </a:ln>
-        </p:spPr>
-        <p:style>
-          <a:lnRef idx="1">
-            <a:schemeClr val="dk1"/>
-          </a:lnRef>
-          <a:fillRef idx="0">
-            <a:schemeClr val="dk1"/>
-          </a:fillRef>
-          <a:effectRef idx="0">
-            <a:schemeClr val="dk1"/>
-          </a:effectRef>
-          <a:fontRef idx="minor">
-            <a:schemeClr val="tx1"/>
-          </a:fontRef>
-        </p:style>
-      </p:cxnSp>
-      <p:cxnSp>
-        <p:nvCxnSpPr>
-          <p:cNvPr id="35" name="Прямая соединительная линия 34"/>
-          <p:cNvCxnSpPr/>
-          <p:nvPr/>
-        </p:nvCxnSpPr>
-        <p:spPr>
-          <a:xfrm>
-            <a:off x="7290846" y="4587010"/>
-            <a:ext cx="4181827" cy="27117"/>
-          </a:xfrm>
-          <a:prstGeom prst="line">
-            <a:avLst/>
-          </a:prstGeom>
-          <a:ln>
-            <a:solidFill>
-              <a:srgbClr val="0070C0"/>
-            </a:solidFill>
-          </a:ln>
-        </p:spPr>
-        <p:style>
-          <a:lnRef idx="1">
-            <a:schemeClr val="dk1"/>
-          </a:lnRef>
-          <a:fillRef idx="0">
-            <a:schemeClr val="dk1"/>
-          </a:fillRef>
-          <a:effectRef idx="0">
-            <a:schemeClr val="dk1"/>
-          </a:effectRef>
-          <a:fontRef idx="minor">
-            <a:schemeClr val="tx1"/>
-          </a:fontRef>
-        </p:style>
-      </p:cxnSp>
-      <p:cxnSp>
-        <p:nvCxnSpPr>
-          <p:cNvPr id="36" name="Прямая соединительная линия 35"/>
-          <p:cNvCxnSpPr/>
-          <p:nvPr/>
-        </p:nvCxnSpPr>
-        <p:spPr>
-          <a:xfrm>
-            <a:off x="7301502" y="6258379"/>
-            <a:ext cx="4181827" cy="27117"/>
-          </a:xfrm>
-          <a:prstGeom prst="line">
-            <a:avLst/>
-          </a:prstGeom>
-          <a:ln>
-            <a:solidFill>
-              <a:srgbClr val="7030A0"/>
-            </a:solidFill>
-          </a:ln>
-        </p:spPr>
-        <p:style>
-          <a:lnRef idx="1">
-            <a:schemeClr val="dk1"/>
-          </a:lnRef>
-          <a:fillRef idx="0">
-            <a:schemeClr val="dk1"/>
-          </a:fillRef>
-          <a:effectRef idx="0">
-            <a:schemeClr val="dk1"/>
-          </a:effectRef>
-          <a:fontRef idx="minor">
-            <a:schemeClr val="tx1"/>
-          </a:fontRef>
-        </p:style>
-      </p:cxnSp>
-    </p:spTree>
-    <p:extLst>
-      <p:ext uri="{BB962C8B-B14F-4D97-AF65-F5344CB8AC3E}">
-        <p14:creationId xmlns:p14="http://schemas.microsoft.com/office/powerpoint/2010/main" val="4282824528"/>
-      </p:ext>
-    </p:extLst>
-  </p:cSld>
-  <p:clrMapOvr>
-    <a:masterClrMapping/>
-  </p:clrMapOvr>
-</p:sld>
-</file>
-
-<file path=ppt/slides/slide8.xml><?xml version="1.0" encoding="utf-8"?>
 <p:sld xmlns:a="http://schemas.openxmlformats.org/drawingml/2006/main" xmlns:r="http://schemas.openxmlformats.org/officeDocument/2006/relationships" xmlns:p="http://schemas.openxmlformats.org/presentationml/2006/main">
   <p:cSld>
     <p:spTree>
@@ -12417,7 +9978,7 @@
 </p:sld>
 </file>
 
-<file path=ppt/slides/slide9.xml><?xml version="1.0" encoding="utf-8"?>
+<file path=ppt/slides/slide8.xml><?xml version="1.0" encoding="utf-8"?>
 <p:sld xmlns:a="http://schemas.openxmlformats.org/drawingml/2006/main" xmlns:r="http://schemas.openxmlformats.org/officeDocument/2006/relationships" xmlns:p="http://schemas.openxmlformats.org/presentationml/2006/main">
   <p:cSld>
     <p:spTree>
@@ -12887,6 +10448,327 @@
     <p:extLst>
       <p:ext uri="{BB962C8B-B14F-4D97-AF65-F5344CB8AC3E}">
         <p14:creationId xmlns:p14="http://schemas.microsoft.com/office/powerpoint/2010/main" val="1969072887"/>
+      </p:ext>
+    </p:extLst>
+  </p:cSld>
+  <p:clrMapOvr>
+    <a:masterClrMapping/>
+  </p:clrMapOvr>
+</p:sld>
+</file>
+
+<file path=ppt/slides/slide9.xml><?xml version="1.0" encoding="utf-8"?>
+<p:sld xmlns:a="http://schemas.openxmlformats.org/drawingml/2006/main" xmlns:r="http://schemas.openxmlformats.org/officeDocument/2006/relationships" xmlns:p="http://schemas.openxmlformats.org/presentationml/2006/main">
+  <p:cSld>
+    <p:bg>
+      <p:bgPr>
+        <a:blipFill dpi="0" rotWithShape="1">
+          <a:blip r:embed="rId2" cstate="screen">
+            <a:lum/>
+            <a:extLst>
+              <a:ext uri="{28A0092B-C50C-407E-A947-70E740481C1C}">
+                <a14:useLocalDpi xmlns:a14="http://schemas.microsoft.com/office/drawing/2010/main"/>
+              </a:ext>
+            </a:extLst>
+          </a:blip>
+          <a:srcRect/>
+          <a:stretch>
+            <a:fillRect/>
+          </a:stretch>
+        </a:blipFill>
+        <a:effectLst/>
+      </p:bgPr>
+    </p:bg>
+    <p:spTree>
+      <p:nvGrpSpPr>
+        <p:cNvPr id="1" name=""/>
+        <p:cNvGrpSpPr/>
+        <p:nvPr/>
+      </p:nvGrpSpPr>
+      <p:grpSpPr>
+        <a:xfrm>
+          <a:off x="0" y="0"/>
+          <a:ext cx="0" cy="0"/>
+          <a:chOff x="0" y="0"/>
+          <a:chExt cx="0" cy="0"/>
+        </a:xfrm>
+      </p:grpSpPr>
+      <p:sp>
+        <p:nvSpPr>
+          <p:cNvPr id="4" name="Прямоугольник 3">
+            <a:extLst>
+              <a:ext uri="{FF2B5EF4-FFF2-40B4-BE49-F238E27FC236}">
+                <a16:creationId xmlns:a16="http://schemas.microsoft.com/office/drawing/2014/main" id="{4BAECB47-D1FA-4464-838B-540622A5F525}"/>
+              </a:ext>
+            </a:extLst>
+          </p:cNvPr>
+          <p:cNvSpPr/>
+          <p:nvPr/>
+        </p:nvSpPr>
+        <p:spPr>
+          <a:xfrm>
+            <a:off x="0" y="0"/>
+            <a:ext cx="12192000" cy="6858000"/>
+          </a:xfrm>
+          <a:prstGeom prst="rect">
+            <a:avLst/>
+          </a:prstGeom>
+          <a:solidFill>
+            <a:schemeClr val="tx1">
+              <a:alpha val="80000"/>
+            </a:schemeClr>
+          </a:solidFill>
+          <a:ln>
+            <a:noFill/>
+          </a:ln>
+        </p:spPr>
+        <p:style>
+          <a:lnRef idx="2">
+            <a:schemeClr val="accent1">
+              <a:shade val="50000"/>
+            </a:schemeClr>
+          </a:lnRef>
+          <a:fillRef idx="1">
+            <a:schemeClr val="accent1"/>
+          </a:fillRef>
+          <a:effectRef idx="0">
+            <a:schemeClr val="accent1"/>
+          </a:effectRef>
+          <a:fontRef idx="minor">
+            <a:schemeClr val="lt1"/>
+          </a:fontRef>
+        </p:style>
+        <p:txBody>
+          <a:bodyPr rtlCol="0" anchor="ctr"/>
+          <a:lstStyle/>
+          <a:p>
+            <a:pPr algn="ctr"/>
+            <a:endParaRPr lang="en-US" dirty="0">
+              <a:solidFill>
+                <a:schemeClr val="bg1"/>
+              </a:solidFill>
+            </a:endParaRPr>
+          </a:p>
+          <a:p>
+            <a:pPr algn="ctr"/>
+            <a:endParaRPr lang="en-US" dirty="0">
+              <a:solidFill>
+                <a:schemeClr val="bg1"/>
+              </a:solidFill>
+            </a:endParaRPr>
+          </a:p>
+          <a:p>
+            <a:pPr algn="ctr"/>
+            <a:endParaRPr lang="ru-RU" dirty="0">
+              <a:solidFill>
+                <a:schemeClr val="bg1"/>
+              </a:solidFill>
+            </a:endParaRPr>
+          </a:p>
+        </p:txBody>
+      </p:sp>
+      <p:sp>
+        <p:nvSpPr>
+          <p:cNvPr id="2" name="Заголовок 1">
+            <a:extLst>
+              <a:ext uri="{FF2B5EF4-FFF2-40B4-BE49-F238E27FC236}">
+                <a16:creationId xmlns:a16="http://schemas.microsoft.com/office/drawing/2014/main" id="{847F5D3A-7A06-404D-B6D0-B7EA088DE043}"/>
+              </a:ext>
+            </a:extLst>
+          </p:cNvPr>
+          <p:cNvSpPr>
+            <a:spLocks noGrp="1"/>
+          </p:cNvSpPr>
+          <p:nvPr>
+            <p:ph type="ctrTitle"/>
+          </p:nvPr>
+        </p:nvSpPr>
+        <p:spPr>
+          <a:xfrm>
+            <a:off x="1524000" y="1674000"/>
+            <a:ext cx="9144000" cy="2387600"/>
+          </a:xfrm>
+        </p:spPr>
+        <p:txBody>
+          <a:bodyPr>
+            <a:normAutofit/>
+          </a:bodyPr>
+          <a:lstStyle/>
+          <a:p>
+            <a:r>
+              <a:rPr lang="ru-RU" sz="11500" b="1" dirty="0">
+                <a:solidFill>
+                  <a:schemeClr val="bg1"/>
+                </a:solidFill>
+              </a:rPr>
+              <a:t>СПАСИБО</a:t>
+            </a:r>
+            <a:endParaRPr lang="ru-RU" sz="11500" b="1" dirty="0">
+              <a:solidFill>
+                <a:schemeClr val="accent1"/>
+              </a:solidFill>
+            </a:endParaRPr>
+          </a:p>
+        </p:txBody>
+      </p:sp>
+      <p:cxnSp>
+        <p:nvCxnSpPr>
+          <p:cNvPr id="8" name="Прямая соединительная линия 7">
+            <a:extLst>
+              <a:ext uri="{FF2B5EF4-FFF2-40B4-BE49-F238E27FC236}">
+                <a16:creationId xmlns:a16="http://schemas.microsoft.com/office/drawing/2014/main" id="{9EE28481-3F05-4D67-805E-F28B6E6D4DB0}"/>
+              </a:ext>
+            </a:extLst>
+          </p:cNvPr>
+          <p:cNvCxnSpPr/>
+          <p:nvPr/>
+        </p:nvCxnSpPr>
+        <p:spPr>
+          <a:xfrm flipH="1">
+            <a:off x="1326000" y="1944000"/>
+            <a:ext cx="9891000" cy="0"/>
+          </a:xfrm>
+          <a:prstGeom prst="line">
+            <a:avLst/>
+          </a:prstGeom>
+          <a:ln w="31750"/>
+        </p:spPr>
+        <p:style>
+          <a:lnRef idx="1">
+            <a:schemeClr val="accent1"/>
+          </a:lnRef>
+          <a:fillRef idx="0">
+            <a:schemeClr val="accent1"/>
+          </a:fillRef>
+          <a:effectRef idx="0">
+            <a:schemeClr val="accent1"/>
+          </a:effectRef>
+          <a:fontRef idx="minor">
+            <a:schemeClr val="tx1"/>
+          </a:fontRef>
+        </p:style>
+      </p:cxnSp>
+      <p:cxnSp>
+        <p:nvCxnSpPr>
+          <p:cNvPr id="9" name="Прямая соединительная линия 8">
+            <a:extLst>
+              <a:ext uri="{FF2B5EF4-FFF2-40B4-BE49-F238E27FC236}">
+                <a16:creationId xmlns:a16="http://schemas.microsoft.com/office/drawing/2014/main" id="{72827F8E-4C64-427F-BB93-5BAA7D7E4EED}"/>
+              </a:ext>
+            </a:extLst>
+          </p:cNvPr>
+          <p:cNvCxnSpPr>
+            <a:cxnSpLocks/>
+          </p:cNvCxnSpPr>
+          <p:nvPr/>
+        </p:nvCxnSpPr>
+        <p:spPr>
+          <a:xfrm flipH="1">
+            <a:off x="1326000" y="4464000"/>
+            <a:ext cx="7695000" cy="0"/>
+          </a:xfrm>
+          <a:prstGeom prst="line">
+            <a:avLst/>
+          </a:prstGeom>
+          <a:ln w="31750"/>
+        </p:spPr>
+        <p:style>
+          <a:lnRef idx="1">
+            <a:schemeClr val="accent1"/>
+          </a:lnRef>
+          <a:fillRef idx="0">
+            <a:schemeClr val="accent1"/>
+          </a:fillRef>
+          <a:effectRef idx="0">
+            <a:schemeClr val="accent1"/>
+          </a:effectRef>
+          <a:fontRef idx="minor">
+            <a:schemeClr val="tx1"/>
+          </a:fontRef>
+        </p:style>
+      </p:cxnSp>
+      <p:cxnSp>
+        <p:nvCxnSpPr>
+          <p:cNvPr id="11" name="Прямая соединительная линия 10">
+            <a:extLst>
+              <a:ext uri="{FF2B5EF4-FFF2-40B4-BE49-F238E27FC236}">
+                <a16:creationId xmlns:a16="http://schemas.microsoft.com/office/drawing/2014/main" id="{71D6975C-AE09-44A9-A6FC-0FFBDFB6D892}"/>
+              </a:ext>
+            </a:extLst>
+          </p:cNvPr>
+          <p:cNvCxnSpPr>
+            <a:cxnSpLocks/>
+          </p:cNvCxnSpPr>
+          <p:nvPr/>
+        </p:nvCxnSpPr>
+        <p:spPr>
+          <a:xfrm>
+            <a:off x="1326000" y="1944000"/>
+            <a:ext cx="0" cy="2520000"/>
+          </a:xfrm>
+          <a:prstGeom prst="line">
+            <a:avLst/>
+          </a:prstGeom>
+          <a:ln w="31750"/>
+        </p:spPr>
+        <p:style>
+          <a:lnRef idx="1">
+            <a:schemeClr val="accent1"/>
+          </a:lnRef>
+          <a:fillRef idx="0">
+            <a:schemeClr val="accent1"/>
+          </a:fillRef>
+          <a:effectRef idx="0">
+            <a:schemeClr val="accent1"/>
+          </a:effectRef>
+          <a:fontRef idx="minor">
+            <a:schemeClr val="tx1"/>
+          </a:fontRef>
+        </p:style>
+      </p:cxnSp>
+      <p:cxnSp>
+        <p:nvCxnSpPr>
+          <p:cNvPr id="14" name="Прямая соединительная линия 13">
+            <a:extLst>
+              <a:ext uri="{FF2B5EF4-FFF2-40B4-BE49-F238E27FC236}">
+                <a16:creationId xmlns:a16="http://schemas.microsoft.com/office/drawing/2014/main" id="{03096FA3-1855-4385-8DE4-640DAB32554D}"/>
+              </a:ext>
+            </a:extLst>
+          </p:cNvPr>
+          <p:cNvCxnSpPr>
+            <a:cxnSpLocks/>
+          </p:cNvCxnSpPr>
+          <p:nvPr/>
+        </p:nvCxnSpPr>
+        <p:spPr>
+          <a:xfrm>
+            <a:off x="11217000" y="1944000"/>
+            <a:ext cx="0" cy="1485000"/>
+          </a:xfrm>
+          <a:prstGeom prst="line">
+            <a:avLst/>
+          </a:prstGeom>
+          <a:ln w="31750"/>
+        </p:spPr>
+        <p:style>
+          <a:lnRef idx="1">
+            <a:schemeClr val="accent1"/>
+          </a:lnRef>
+          <a:fillRef idx="0">
+            <a:schemeClr val="accent1"/>
+          </a:fillRef>
+          <a:effectRef idx="0">
+            <a:schemeClr val="accent1"/>
+          </a:effectRef>
+          <a:fontRef idx="minor">
+            <a:schemeClr val="tx1"/>
+          </a:fontRef>
+        </p:style>
+      </p:cxnSp>
+    </p:spTree>
+    <p:extLst>
+      <p:ext uri="{BB962C8B-B14F-4D97-AF65-F5344CB8AC3E}">
+        <p14:creationId xmlns:p14="http://schemas.microsoft.com/office/powerpoint/2010/main" val="99814208"/>
       </p:ext>
     </p:extLst>
   </p:cSld>

--- a/stroitelniy-project_1.pptx
+++ b/stroitelniy-project_1.pptx
@@ -13,7 +13,8 @@
     <p:sldId id="270" r:id="rId7"/>
     <p:sldId id="266" r:id="rId8"/>
     <p:sldId id="269" r:id="rId9"/>
-    <p:sldId id="268" r:id="rId10"/>
+    <p:sldId id="271" r:id="rId10"/>
+    <p:sldId id="268" r:id="rId11"/>
   </p:sldIdLst>
   <p:sldSz cx="12192000" cy="6858000"/>
   <p:notesSz cx="6858000" cy="9144000"/>
@@ -278,7 +279,7 @@
           <a:p>
             <a:fld id="{428BDFA9-ACA2-4294-9F62-69E81CDDA11A}" type="datetimeFigureOut">
               <a:rPr lang="ru-RU" smtClean="0"/>
-              <a:t>11.11.2021</a:t>
+              <a:t>02.03.2022</a:t>
             </a:fld>
             <a:endParaRPr lang="ru-RU"/>
           </a:p>
@@ -553,7 +554,7 @@
           <a:p>
             <a:fld id="{428BDFA9-ACA2-4294-9F62-69E81CDDA11A}" type="datetimeFigureOut">
               <a:rPr lang="ru-RU" smtClean="0"/>
-              <a:t>11.11.2021</a:t>
+              <a:t>02.03.2022</a:t>
             </a:fld>
             <a:endParaRPr lang="ru-RU"/>
           </a:p>
@@ -818,7 +819,7 @@
           <a:p>
             <a:fld id="{428BDFA9-ACA2-4294-9F62-69E81CDDA11A}" type="datetimeFigureOut">
               <a:rPr lang="ru-RU" smtClean="0"/>
-              <a:t>11.11.2021</a:t>
+              <a:t>02.03.2022</a:t>
             </a:fld>
             <a:endParaRPr lang="ru-RU"/>
           </a:p>
@@ -1230,7 +1231,7 @@
           <a:p>
             <a:fld id="{428BDFA9-ACA2-4294-9F62-69E81CDDA11A}" type="datetimeFigureOut">
               <a:rPr lang="ru-RU" smtClean="0"/>
-              <a:t>11.11.2021</a:t>
+              <a:t>02.03.2022</a:t>
             </a:fld>
             <a:endParaRPr lang="ru-RU"/>
           </a:p>
@@ -1371,7 +1372,7 @@
           <a:p>
             <a:fld id="{428BDFA9-ACA2-4294-9F62-69E81CDDA11A}" type="datetimeFigureOut">
               <a:rPr lang="ru-RU" smtClean="0"/>
-              <a:t>11.11.2021</a:t>
+              <a:t>02.03.2022</a:t>
             </a:fld>
             <a:endParaRPr lang="ru-RU"/>
           </a:p>
@@ -1484,7 +1485,7 @@
           <a:p>
             <a:fld id="{428BDFA9-ACA2-4294-9F62-69E81CDDA11A}" type="datetimeFigureOut">
               <a:rPr lang="ru-RU" smtClean="0"/>
-              <a:t>11.11.2021</a:t>
+              <a:t>02.03.2022</a:t>
             </a:fld>
             <a:endParaRPr lang="ru-RU"/>
           </a:p>
@@ -1795,7 +1796,7 @@
           <a:p>
             <a:fld id="{428BDFA9-ACA2-4294-9F62-69E81CDDA11A}" type="datetimeFigureOut">
               <a:rPr lang="ru-RU" smtClean="0"/>
-              <a:t>11.11.2021</a:t>
+              <a:t>02.03.2022</a:t>
             </a:fld>
             <a:endParaRPr lang="ru-RU"/>
           </a:p>
@@ -2083,7 +2084,7 @@
           <a:p>
             <a:fld id="{428BDFA9-ACA2-4294-9F62-69E81CDDA11A}" type="datetimeFigureOut">
               <a:rPr lang="ru-RU" smtClean="0"/>
-              <a:t>11.11.2021</a:t>
+              <a:t>02.03.2022</a:t>
             </a:fld>
             <a:endParaRPr lang="ru-RU"/>
           </a:p>
@@ -2281,7 +2282,7 @@
           <a:p>
             <a:fld id="{428BDFA9-ACA2-4294-9F62-69E81CDDA11A}" type="datetimeFigureOut">
               <a:rPr lang="ru-RU" smtClean="0"/>
-              <a:t>11.11.2021</a:t>
+              <a:t>02.03.2022</a:t>
             </a:fld>
             <a:endParaRPr lang="ru-RU"/>
           </a:p>
@@ -2489,7 +2490,7 @@
           <a:p>
             <a:fld id="{428BDFA9-ACA2-4294-9F62-69E81CDDA11A}" type="datetimeFigureOut">
               <a:rPr lang="ru-RU" smtClean="0"/>
-              <a:t>11.11.2021</a:t>
+              <a:t>02.03.2022</a:t>
             </a:fld>
             <a:endParaRPr lang="ru-RU"/>
           </a:p>
@@ -4904,7 +4905,7 @@
           <a:p>
             <a:fld id="{428BDFA9-ACA2-4294-9F62-69E81CDDA11A}" type="datetimeFigureOut">
               <a:rPr lang="ru-RU" smtClean="0"/>
-              <a:t>11.11.2021</a:t>
+              <a:t>02.03.2022</a:t>
             </a:fld>
             <a:endParaRPr lang="ru-RU"/>
           </a:p>
@@ -5466,7 +5467,7 @@
           <a:p>
             <a:fld id="{428BDFA9-ACA2-4294-9F62-69E81CDDA11A}" type="datetimeFigureOut">
               <a:rPr lang="ru-RU" smtClean="0"/>
-              <a:t>11.11.2021</a:t>
+              <a:t>02.03.2022</a:t>
             </a:fld>
             <a:endParaRPr lang="ru-RU"/>
           </a:p>
@@ -5707,7 +5708,7 @@
           <a:p>
             <a:fld id="{428BDFA9-ACA2-4294-9F62-69E81CDDA11A}" type="datetimeFigureOut">
               <a:rPr lang="ru-RU" smtClean="0"/>
-              <a:t>11.11.2021</a:t>
+              <a:t>02.03.2022</a:t>
             </a:fld>
             <a:endParaRPr lang="ru-RU"/>
           </a:p>
@@ -6309,8 +6310,8 @@
         </p:nvSpPr>
         <p:spPr>
           <a:xfrm>
-            <a:off x="-267861" y="1426500"/>
-            <a:ext cx="6345000" cy="765000"/>
+            <a:off x="6887" y="1117015"/>
+            <a:ext cx="6345000" cy="1507499"/>
           </a:xfrm>
         </p:spPr>
         <p:txBody>
@@ -6325,11 +6326,11 @@
                   <a:schemeClr val="bg1"/>
                 </a:solidFill>
               </a:rPr>
-              <a:t>Про</a:t>
+              <a:t>Проблемы </a:t>
             </a:r>
             <a:r>
               <a:rPr lang="ru-RU" b="1" dirty="0"/>
-              <a:t>ект</a:t>
+              <a:t>городской</a:t>
             </a:r>
             <a:r>
               <a:rPr lang="ru-RU" b="1" dirty="0">
@@ -6337,11 +6338,7 @@
                   <a:schemeClr val="bg1"/>
                 </a:solidFill>
               </a:rPr>
-              <a:t> по </a:t>
-            </a:r>
-            <a:r>
-              <a:rPr lang="en-US" b="1" dirty="0"/>
-              <a:t>QT</a:t>
+              <a:t> среды</a:t>
             </a:r>
             <a:endParaRPr lang="ru-RU" b="1" dirty="0"/>
           </a:p>
@@ -6501,6 +6498,327 @@
     <p:extLst>
       <p:ext uri="{BB962C8B-B14F-4D97-AF65-F5344CB8AC3E}">
         <p14:creationId xmlns:p14="http://schemas.microsoft.com/office/powerpoint/2010/main" val="3025324156"/>
+      </p:ext>
+    </p:extLst>
+  </p:cSld>
+  <p:clrMapOvr>
+    <a:masterClrMapping/>
+  </p:clrMapOvr>
+</p:sld>
+</file>
+
+<file path=ppt/slides/slide10.xml><?xml version="1.0" encoding="utf-8"?>
+<p:sld xmlns:a="http://schemas.openxmlformats.org/drawingml/2006/main" xmlns:r="http://schemas.openxmlformats.org/officeDocument/2006/relationships" xmlns:p="http://schemas.openxmlformats.org/presentationml/2006/main">
+  <p:cSld>
+    <p:bg>
+      <p:bgPr>
+        <a:blipFill dpi="0" rotWithShape="1">
+          <a:blip r:embed="rId2" cstate="screen">
+            <a:lum/>
+            <a:extLst>
+              <a:ext uri="{28A0092B-C50C-407E-A947-70E740481C1C}">
+                <a14:useLocalDpi xmlns:a14="http://schemas.microsoft.com/office/drawing/2010/main"/>
+              </a:ext>
+            </a:extLst>
+          </a:blip>
+          <a:srcRect/>
+          <a:stretch>
+            <a:fillRect/>
+          </a:stretch>
+        </a:blipFill>
+        <a:effectLst/>
+      </p:bgPr>
+    </p:bg>
+    <p:spTree>
+      <p:nvGrpSpPr>
+        <p:cNvPr id="1" name=""/>
+        <p:cNvGrpSpPr/>
+        <p:nvPr/>
+      </p:nvGrpSpPr>
+      <p:grpSpPr>
+        <a:xfrm>
+          <a:off x="0" y="0"/>
+          <a:ext cx="0" cy="0"/>
+          <a:chOff x="0" y="0"/>
+          <a:chExt cx="0" cy="0"/>
+        </a:xfrm>
+      </p:grpSpPr>
+      <p:sp>
+        <p:nvSpPr>
+          <p:cNvPr id="4" name="Прямоугольник 3">
+            <a:extLst>
+              <a:ext uri="{FF2B5EF4-FFF2-40B4-BE49-F238E27FC236}">
+                <a16:creationId xmlns:a16="http://schemas.microsoft.com/office/drawing/2014/main" id="{4BAECB47-D1FA-4464-838B-540622A5F525}"/>
+              </a:ext>
+            </a:extLst>
+          </p:cNvPr>
+          <p:cNvSpPr/>
+          <p:nvPr/>
+        </p:nvSpPr>
+        <p:spPr>
+          <a:xfrm>
+            <a:off x="0" y="0"/>
+            <a:ext cx="12192000" cy="6858000"/>
+          </a:xfrm>
+          <a:prstGeom prst="rect">
+            <a:avLst/>
+          </a:prstGeom>
+          <a:solidFill>
+            <a:schemeClr val="tx1">
+              <a:alpha val="80000"/>
+            </a:schemeClr>
+          </a:solidFill>
+          <a:ln>
+            <a:noFill/>
+          </a:ln>
+        </p:spPr>
+        <p:style>
+          <a:lnRef idx="2">
+            <a:schemeClr val="accent1">
+              <a:shade val="50000"/>
+            </a:schemeClr>
+          </a:lnRef>
+          <a:fillRef idx="1">
+            <a:schemeClr val="accent1"/>
+          </a:fillRef>
+          <a:effectRef idx="0">
+            <a:schemeClr val="accent1"/>
+          </a:effectRef>
+          <a:fontRef idx="minor">
+            <a:schemeClr val="lt1"/>
+          </a:fontRef>
+        </p:style>
+        <p:txBody>
+          <a:bodyPr rtlCol="0" anchor="ctr"/>
+          <a:lstStyle/>
+          <a:p>
+            <a:pPr algn="ctr"/>
+            <a:endParaRPr lang="en-US" dirty="0">
+              <a:solidFill>
+                <a:schemeClr val="bg1"/>
+              </a:solidFill>
+            </a:endParaRPr>
+          </a:p>
+          <a:p>
+            <a:pPr algn="ctr"/>
+            <a:endParaRPr lang="en-US" dirty="0">
+              <a:solidFill>
+                <a:schemeClr val="bg1"/>
+              </a:solidFill>
+            </a:endParaRPr>
+          </a:p>
+          <a:p>
+            <a:pPr algn="ctr"/>
+            <a:endParaRPr lang="ru-RU" dirty="0">
+              <a:solidFill>
+                <a:schemeClr val="bg1"/>
+              </a:solidFill>
+            </a:endParaRPr>
+          </a:p>
+        </p:txBody>
+      </p:sp>
+      <p:sp>
+        <p:nvSpPr>
+          <p:cNvPr id="2" name="Заголовок 1">
+            <a:extLst>
+              <a:ext uri="{FF2B5EF4-FFF2-40B4-BE49-F238E27FC236}">
+                <a16:creationId xmlns:a16="http://schemas.microsoft.com/office/drawing/2014/main" id="{847F5D3A-7A06-404D-B6D0-B7EA088DE043}"/>
+              </a:ext>
+            </a:extLst>
+          </p:cNvPr>
+          <p:cNvSpPr>
+            <a:spLocks noGrp="1"/>
+          </p:cNvSpPr>
+          <p:nvPr>
+            <p:ph type="ctrTitle"/>
+          </p:nvPr>
+        </p:nvSpPr>
+        <p:spPr>
+          <a:xfrm>
+            <a:off x="1524000" y="1674000"/>
+            <a:ext cx="9144000" cy="2387600"/>
+          </a:xfrm>
+        </p:spPr>
+        <p:txBody>
+          <a:bodyPr>
+            <a:normAutofit/>
+          </a:bodyPr>
+          <a:lstStyle/>
+          <a:p>
+            <a:r>
+              <a:rPr lang="ru-RU" sz="11500" b="1" dirty="0">
+                <a:solidFill>
+                  <a:schemeClr val="bg1"/>
+                </a:solidFill>
+              </a:rPr>
+              <a:t>СПАСИБО</a:t>
+            </a:r>
+            <a:endParaRPr lang="ru-RU" sz="11500" b="1" dirty="0">
+              <a:solidFill>
+                <a:schemeClr val="accent1"/>
+              </a:solidFill>
+            </a:endParaRPr>
+          </a:p>
+        </p:txBody>
+      </p:sp>
+      <p:cxnSp>
+        <p:nvCxnSpPr>
+          <p:cNvPr id="8" name="Прямая соединительная линия 7">
+            <a:extLst>
+              <a:ext uri="{FF2B5EF4-FFF2-40B4-BE49-F238E27FC236}">
+                <a16:creationId xmlns:a16="http://schemas.microsoft.com/office/drawing/2014/main" id="{9EE28481-3F05-4D67-805E-F28B6E6D4DB0}"/>
+              </a:ext>
+            </a:extLst>
+          </p:cNvPr>
+          <p:cNvCxnSpPr/>
+          <p:nvPr/>
+        </p:nvCxnSpPr>
+        <p:spPr>
+          <a:xfrm flipH="1">
+            <a:off x="1326000" y="1944000"/>
+            <a:ext cx="9891000" cy="0"/>
+          </a:xfrm>
+          <a:prstGeom prst="line">
+            <a:avLst/>
+          </a:prstGeom>
+          <a:ln w="31750"/>
+        </p:spPr>
+        <p:style>
+          <a:lnRef idx="1">
+            <a:schemeClr val="accent1"/>
+          </a:lnRef>
+          <a:fillRef idx="0">
+            <a:schemeClr val="accent1"/>
+          </a:fillRef>
+          <a:effectRef idx="0">
+            <a:schemeClr val="accent1"/>
+          </a:effectRef>
+          <a:fontRef idx="minor">
+            <a:schemeClr val="tx1"/>
+          </a:fontRef>
+        </p:style>
+      </p:cxnSp>
+      <p:cxnSp>
+        <p:nvCxnSpPr>
+          <p:cNvPr id="9" name="Прямая соединительная линия 8">
+            <a:extLst>
+              <a:ext uri="{FF2B5EF4-FFF2-40B4-BE49-F238E27FC236}">
+                <a16:creationId xmlns:a16="http://schemas.microsoft.com/office/drawing/2014/main" id="{72827F8E-4C64-427F-BB93-5BAA7D7E4EED}"/>
+              </a:ext>
+            </a:extLst>
+          </p:cNvPr>
+          <p:cNvCxnSpPr>
+            <a:cxnSpLocks/>
+          </p:cNvCxnSpPr>
+          <p:nvPr/>
+        </p:nvCxnSpPr>
+        <p:spPr>
+          <a:xfrm flipH="1">
+            <a:off x="1326000" y="4464000"/>
+            <a:ext cx="7695000" cy="0"/>
+          </a:xfrm>
+          <a:prstGeom prst="line">
+            <a:avLst/>
+          </a:prstGeom>
+          <a:ln w="31750"/>
+        </p:spPr>
+        <p:style>
+          <a:lnRef idx="1">
+            <a:schemeClr val="accent1"/>
+          </a:lnRef>
+          <a:fillRef idx="0">
+            <a:schemeClr val="accent1"/>
+          </a:fillRef>
+          <a:effectRef idx="0">
+            <a:schemeClr val="accent1"/>
+          </a:effectRef>
+          <a:fontRef idx="minor">
+            <a:schemeClr val="tx1"/>
+          </a:fontRef>
+        </p:style>
+      </p:cxnSp>
+      <p:cxnSp>
+        <p:nvCxnSpPr>
+          <p:cNvPr id="11" name="Прямая соединительная линия 10">
+            <a:extLst>
+              <a:ext uri="{FF2B5EF4-FFF2-40B4-BE49-F238E27FC236}">
+                <a16:creationId xmlns:a16="http://schemas.microsoft.com/office/drawing/2014/main" id="{71D6975C-AE09-44A9-A6FC-0FFBDFB6D892}"/>
+              </a:ext>
+            </a:extLst>
+          </p:cNvPr>
+          <p:cNvCxnSpPr>
+            <a:cxnSpLocks/>
+          </p:cNvCxnSpPr>
+          <p:nvPr/>
+        </p:nvCxnSpPr>
+        <p:spPr>
+          <a:xfrm>
+            <a:off x="1326000" y="1944000"/>
+            <a:ext cx="0" cy="2520000"/>
+          </a:xfrm>
+          <a:prstGeom prst="line">
+            <a:avLst/>
+          </a:prstGeom>
+          <a:ln w="31750"/>
+        </p:spPr>
+        <p:style>
+          <a:lnRef idx="1">
+            <a:schemeClr val="accent1"/>
+          </a:lnRef>
+          <a:fillRef idx="0">
+            <a:schemeClr val="accent1"/>
+          </a:fillRef>
+          <a:effectRef idx="0">
+            <a:schemeClr val="accent1"/>
+          </a:effectRef>
+          <a:fontRef idx="minor">
+            <a:schemeClr val="tx1"/>
+          </a:fontRef>
+        </p:style>
+      </p:cxnSp>
+      <p:cxnSp>
+        <p:nvCxnSpPr>
+          <p:cNvPr id="14" name="Прямая соединительная линия 13">
+            <a:extLst>
+              <a:ext uri="{FF2B5EF4-FFF2-40B4-BE49-F238E27FC236}">
+                <a16:creationId xmlns:a16="http://schemas.microsoft.com/office/drawing/2014/main" id="{03096FA3-1855-4385-8DE4-640DAB32554D}"/>
+              </a:ext>
+            </a:extLst>
+          </p:cNvPr>
+          <p:cNvCxnSpPr>
+            <a:cxnSpLocks/>
+          </p:cNvCxnSpPr>
+          <p:nvPr/>
+        </p:nvCxnSpPr>
+        <p:spPr>
+          <a:xfrm>
+            <a:off x="11217000" y="1944000"/>
+            <a:ext cx="0" cy="1485000"/>
+          </a:xfrm>
+          <a:prstGeom prst="line">
+            <a:avLst/>
+          </a:prstGeom>
+          <a:ln w="31750"/>
+        </p:spPr>
+        <p:style>
+          <a:lnRef idx="1">
+            <a:schemeClr val="accent1"/>
+          </a:lnRef>
+          <a:fillRef idx="0">
+            <a:schemeClr val="accent1"/>
+          </a:fillRef>
+          <a:effectRef idx="0">
+            <a:schemeClr val="accent1"/>
+          </a:effectRef>
+          <a:fontRef idx="minor">
+            <a:schemeClr val="tx1"/>
+          </a:fontRef>
+        </p:style>
+      </p:cxnSp>
+    </p:spTree>
+    <p:extLst>
+      <p:ext uri="{BB962C8B-B14F-4D97-AF65-F5344CB8AC3E}">
+        <p14:creationId xmlns:p14="http://schemas.microsoft.com/office/powerpoint/2010/main" val="99814208"/>
       </p:ext>
     </p:extLst>
   </p:cSld>
@@ -9014,6 +9332,7 @@
           </a:bodyPr>
           <a:lstStyle/>
           <a:p>
+            <a:pPr algn="ctr"/>
             <a:r>
               <a:rPr lang="ru-RU" sz="3200" dirty="0"/>
               <a:t>РЕАЛИЗЦИЯ </a:t>
@@ -9024,7 +9343,7 @@
                   <a:srgbClr val="FFC000"/>
                 </a:solidFill>
               </a:rPr>
-              <a:t>НАШЕГО ПРИЛОЖЕНИЯ</a:t>
+              <a:t>ПРИЛОЖЕНИЯ</a:t>
             </a:r>
           </a:p>
         </p:txBody>
@@ -9241,6 +9560,7 @@
         <p:nvCxnSpPr>
           <p:cNvPr id="9" name="Прямая со стрелкой 8"/>
           <p:cNvCxnSpPr>
+            <a:cxnSpLocks/>
             <a:stCxn id="5" idx="2"/>
           </p:cNvCxnSpPr>
           <p:nvPr/>
@@ -10124,7 +10444,7 @@
             </a:r>
             <a:r>
               <a:rPr lang="en-US" dirty="0"/>
-              <a:t> which we got</a:t>
+              <a:t> which I got</a:t>
             </a:r>
             <a:endParaRPr lang="ru-RU" dirty="0"/>
           </a:p>
@@ -10460,25 +10780,6 @@
 <file path=ppt/slides/slide9.xml><?xml version="1.0" encoding="utf-8"?>
 <p:sld xmlns:a="http://schemas.openxmlformats.org/drawingml/2006/main" xmlns:r="http://schemas.openxmlformats.org/officeDocument/2006/relationships" xmlns:p="http://schemas.openxmlformats.org/presentationml/2006/main">
   <p:cSld>
-    <p:bg>
-      <p:bgPr>
-        <a:blipFill dpi="0" rotWithShape="1">
-          <a:blip r:embed="rId2" cstate="screen">
-            <a:lum/>
-            <a:extLst>
-              <a:ext uri="{28A0092B-C50C-407E-A947-70E740481C1C}">
-                <a14:useLocalDpi xmlns:a14="http://schemas.microsoft.com/office/drawing/2010/main"/>
-              </a:ext>
-            </a:extLst>
-          </a:blip>
-          <a:srcRect/>
-          <a:stretch>
-            <a:fillRect/>
-          </a:stretch>
-        </a:blipFill>
-        <a:effectLst/>
-      </p:bgPr>
-    </p:bg>
     <p:spTree>
       <p:nvGrpSpPr>
         <p:cNvPr id="1" name=""/>
@@ -10495,84 +10796,10 @@
       </p:grpSpPr>
       <p:sp>
         <p:nvSpPr>
-          <p:cNvPr id="4" name="Прямоугольник 3">
-            <a:extLst>
-              <a:ext uri="{FF2B5EF4-FFF2-40B4-BE49-F238E27FC236}">
-                <a16:creationId xmlns:a16="http://schemas.microsoft.com/office/drawing/2014/main" id="{4BAECB47-D1FA-4464-838B-540622A5F525}"/>
-              </a:ext>
-            </a:extLst>
-          </p:cNvPr>
-          <p:cNvSpPr/>
-          <p:nvPr/>
-        </p:nvSpPr>
-        <p:spPr>
-          <a:xfrm>
-            <a:off x="0" y="0"/>
-            <a:ext cx="12192000" cy="6858000"/>
-          </a:xfrm>
-          <a:prstGeom prst="rect">
-            <a:avLst/>
-          </a:prstGeom>
-          <a:solidFill>
-            <a:schemeClr val="tx1">
-              <a:alpha val="80000"/>
-            </a:schemeClr>
-          </a:solidFill>
-          <a:ln>
-            <a:noFill/>
-          </a:ln>
-        </p:spPr>
-        <p:style>
-          <a:lnRef idx="2">
-            <a:schemeClr val="accent1">
-              <a:shade val="50000"/>
-            </a:schemeClr>
-          </a:lnRef>
-          <a:fillRef idx="1">
-            <a:schemeClr val="accent1"/>
-          </a:fillRef>
-          <a:effectRef idx="0">
-            <a:schemeClr val="accent1"/>
-          </a:effectRef>
-          <a:fontRef idx="minor">
-            <a:schemeClr val="lt1"/>
-          </a:fontRef>
-        </p:style>
-        <p:txBody>
-          <a:bodyPr rtlCol="0" anchor="ctr"/>
-          <a:lstStyle/>
-          <a:p>
-            <a:pPr algn="ctr"/>
-            <a:endParaRPr lang="en-US" dirty="0">
-              <a:solidFill>
-                <a:schemeClr val="bg1"/>
-              </a:solidFill>
-            </a:endParaRPr>
-          </a:p>
-          <a:p>
-            <a:pPr algn="ctr"/>
-            <a:endParaRPr lang="en-US" dirty="0">
-              <a:solidFill>
-                <a:schemeClr val="bg1"/>
-              </a:solidFill>
-            </a:endParaRPr>
-          </a:p>
-          <a:p>
-            <a:pPr algn="ctr"/>
-            <a:endParaRPr lang="ru-RU" dirty="0">
-              <a:solidFill>
-                <a:schemeClr val="bg1"/>
-              </a:solidFill>
-            </a:endParaRPr>
-          </a:p>
-        </p:txBody>
-      </p:sp>
-      <p:sp>
-        <p:nvSpPr>
-          <p:cNvPr id="2" name="Заголовок 1">
-            <a:extLst>
-              <a:ext uri="{FF2B5EF4-FFF2-40B4-BE49-F238E27FC236}">
-                <a16:creationId xmlns:a16="http://schemas.microsoft.com/office/drawing/2014/main" id="{847F5D3A-7A06-404D-B6D0-B7EA088DE043}"/>
+          <p:cNvPr id="2" name="Текст 1">
+            <a:extLst>
+              <a:ext uri="{FF2B5EF4-FFF2-40B4-BE49-F238E27FC236}">
+                <a16:creationId xmlns:a16="http://schemas.microsoft.com/office/drawing/2014/main" id="{B90523DA-BE2A-476A-8628-3E43D0B3F794}"/>
               </a:ext>
             </a:extLst>
           </p:cNvPr>
@@ -10580,13 +10807,13 @@
             <a:spLocks noGrp="1"/>
           </p:cNvSpPr>
           <p:nvPr>
-            <p:ph type="ctrTitle"/>
+            <p:ph type="body" sz="quarter" idx="10"/>
           </p:nvPr>
         </p:nvSpPr>
         <p:spPr>
           <a:xfrm>
-            <a:off x="1524000" y="1674000"/>
-            <a:ext cx="9144000" cy="2387600"/>
+            <a:off x="1021125" y="2096473"/>
+            <a:ext cx="3600000" cy="654230"/>
           </a:xfrm>
         </p:spPr>
         <p:txBody>
@@ -10595,180 +10822,168 @@
           </a:bodyPr>
           <a:lstStyle/>
           <a:p>
-            <a:r>
-              <a:rPr lang="ru-RU" sz="11500" b="1" dirty="0">
+            <a:pPr marL="0" indent="0">
+              <a:buNone/>
+            </a:pPr>
+            <a:r>
+              <a:rPr lang="ru-RU" sz="3600" dirty="0"/>
+              <a:t>Данила Малинин </a:t>
+            </a:r>
+          </a:p>
+        </p:txBody>
+      </p:sp>
+      <p:sp>
+        <p:nvSpPr>
+          <p:cNvPr id="3" name="Заголовок 2">
+            <a:extLst>
+              <a:ext uri="{FF2B5EF4-FFF2-40B4-BE49-F238E27FC236}">
+                <a16:creationId xmlns:a16="http://schemas.microsoft.com/office/drawing/2014/main" id="{8AD2C8F5-DE1F-4D1D-8677-4506266804D6}"/>
+              </a:ext>
+            </a:extLst>
+          </p:cNvPr>
+          <p:cNvSpPr>
+            <a:spLocks noGrp="1"/>
+          </p:cNvSpPr>
+          <p:nvPr>
+            <p:ph type="title"/>
+          </p:nvPr>
+        </p:nvSpPr>
+        <p:spPr/>
+        <p:txBody>
+          <a:bodyPr/>
+          <a:lstStyle/>
+          <a:p>
+            <a:pPr algn="ctr"/>
+            <a:r>
+              <a:rPr lang="ru-RU" dirty="0"/>
+              <a:t>Большой </a:t>
+            </a:r>
+            <a:r>
+              <a:rPr lang="ru-RU" dirty="0">
                 <a:solidFill>
-                  <a:schemeClr val="bg1"/>
+                  <a:schemeClr val="accent1"/>
                 </a:solidFill>
               </a:rPr>
-              <a:t>СПАСИБО</a:t>
-            </a:r>
-            <a:endParaRPr lang="ru-RU" sz="11500" b="1" dirty="0">
-              <a:solidFill>
-                <a:schemeClr val="accent1"/>
-              </a:solidFill>
-            </a:endParaRPr>
-          </a:p>
-        </p:txBody>
-      </p:sp>
-      <p:cxnSp>
-        <p:nvCxnSpPr>
-          <p:cNvPr id="8" name="Прямая соединительная линия 7">
-            <a:extLst>
-              <a:ext uri="{FF2B5EF4-FFF2-40B4-BE49-F238E27FC236}">
-                <a16:creationId xmlns:a16="http://schemas.microsoft.com/office/drawing/2014/main" id="{9EE28481-3F05-4D67-805E-F28B6E6D4DB0}"/>
-              </a:ext>
-            </a:extLst>
-          </p:cNvPr>
-          <p:cNvCxnSpPr/>
+              <a:t>вклад</a:t>
+            </a:r>
+            <a:r>
+              <a:rPr lang="ru-RU" dirty="0"/>
+              <a:t> внесли</a:t>
+            </a:r>
+          </a:p>
+        </p:txBody>
+      </p:sp>
+      <p:pic>
+        <p:nvPicPr>
+          <p:cNvPr id="11" name="Рисунок 10">
+            <a:extLst>
+              <a:ext uri="{FF2B5EF4-FFF2-40B4-BE49-F238E27FC236}">
+                <a16:creationId xmlns:a16="http://schemas.microsoft.com/office/drawing/2014/main" id="{20F63BD1-29C8-4E15-993C-BE2AEA5EF452}"/>
+              </a:ext>
+            </a:extLst>
+          </p:cNvPr>
+          <p:cNvPicPr>
+            <a:picLocks noChangeAspect="1"/>
+          </p:cNvPicPr>
           <p:nvPr/>
-        </p:nvCxnSpPr>
-        <p:spPr>
-          <a:xfrm flipH="1">
-            <a:off x="1326000" y="1944000"/>
-            <a:ext cx="9891000" cy="0"/>
-          </a:xfrm>
-          <a:prstGeom prst="line">
+        </p:nvPicPr>
+        <p:blipFill>
+          <a:blip r:embed="rId2">
+            <a:extLst>
+              <a:ext uri="{28A0092B-C50C-407E-A947-70E740481C1C}">
+                <a14:useLocalDpi xmlns:a14="http://schemas.microsoft.com/office/drawing/2010/main" val="0"/>
+              </a:ext>
+            </a:extLst>
+          </a:blip>
+          <a:stretch>
+            <a:fillRect/>
+          </a:stretch>
+        </p:blipFill>
+        <p:spPr>
+          <a:xfrm>
+            <a:off x="1289250" y="3087048"/>
+            <a:ext cx="3063750" cy="3063750"/>
+          </a:xfrm>
+          <a:prstGeom prst="rect">
             <a:avLst/>
           </a:prstGeom>
-          <a:ln w="31750"/>
-        </p:spPr>
-        <p:style>
-          <a:lnRef idx="1">
-            <a:schemeClr val="accent1"/>
-          </a:lnRef>
-          <a:fillRef idx="0">
-            <a:schemeClr val="accent1"/>
-          </a:fillRef>
-          <a:effectRef idx="0">
-            <a:schemeClr val="accent1"/>
-          </a:effectRef>
-          <a:fontRef idx="minor">
-            <a:schemeClr val="tx1"/>
-          </a:fontRef>
-        </p:style>
-      </p:cxnSp>
-      <p:cxnSp>
-        <p:nvCxnSpPr>
-          <p:cNvPr id="9" name="Прямая соединительная линия 8">
-            <a:extLst>
-              <a:ext uri="{FF2B5EF4-FFF2-40B4-BE49-F238E27FC236}">
-                <a16:creationId xmlns:a16="http://schemas.microsoft.com/office/drawing/2014/main" id="{72827F8E-4C64-427F-BB93-5BAA7D7E4EED}"/>
-              </a:ext>
-            </a:extLst>
-          </p:cNvPr>
-          <p:cNvCxnSpPr>
-            <a:cxnSpLocks/>
-          </p:cNvCxnSpPr>
+        </p:spPr>
+      </p:pic>
+      <p:pic>
+        <p:nvPicPr>
+          <p:cNvPr id="13" name="Рисунок 12">
+            <a:extLst>
+              <a:ext uri="{FF2B5EF4-FFF2-40B4-BE49-F238E27FC236}">
+                <a16:creationId xmlns:a16="http://schemas.microsoft.com/office/drawing/2014/main" id="{4E6422F0-8629-464D-94D1-B6E1D15FF73A}"/>
+              </a:ext>
+            </a:extLst>
+          </p:cNvPr>
+          <p:cNvPicPr>
+            <a:picLocks noChangeAspect="1"/>
+          </p:cNvPicPr>
           <p:nvPr/>
-        </p:nvCxnSpPr>
-        <p:spPr>
-          <a:xfrm flipH="1">
-            <a:off x="1326000" y="4464000"/>
-            <a:ext cx="7695000" cy="0"/>
-          </a:xfrm>
-          <a:prstGeom prst="line">
+        </p:nvPicPr>
+        <p:blipFill>
+          <a:blip r:embed="rId3">
+            <a:extLst>
+              <a:ext uri="{28A0092B-C50C-407E-A947-70E740481C1C}">
+                <a14:useLocalDpi xmlns:a14="http://schemas.microsoft.com/office/drawing/2010/main" val="0"/>
+              </a:ext>
+            </a:extLst>
+          </a:blip>
+          <a:stretch>
+            <a:fillRect/>
+          </a:stretch>
+        </p:blipFill>
+        <p:spPr>
+          <a:xfrm>
+            <a:off x="7627314" y="3087048"/>
+            <a:ext cx="3063750" cy="3063750"/>
+          </a:xfrm>
+          <a:prstGeom prst="rect">
             <a:avLst/>
           </a:prstGeom>
-          <a:ln w="31750"/>
-        </p:spPr>
-        <p:style>
-          <a:lnRef idx="1">
-            <a:schemeClr val="accent1"/>
-          </a:lnRef>
-          <a:fillRef idx="0">
-            <a:schemeClr val="accent1"/>
-          </a:fillRef>
-          <a:effectRef idx="0">
-            <a:schemeClr val="accent1"/>
-          </a:effectRef>
-          <a:fontRef idx="minor">
-            <a:schemeClr val="tx1"/>
-          </a:fontRef>
-        </p:style>
-      </p:cxnSp>
-      <p:cxnSp>
-        <p:nvCxnSpPr>
-          <p:cNvPr id="11" name="Прямая соединительная линия 10">
-            <a:extLst>
-              <a:ext uri="{FF2B5EF4-FFF2-40B4-BE49-F238E27FC236}">
-                <a16:creationId xmlns:a16="http://schemas.microsoft.com/office/drawing/2014/main" id="{71D6975C-AE09-44A9-A6FC-0FFBDFB6D892}"/>
-              </a:ext>
-            </a:extLst>
-          </p:cNvPr>
-          <p:cNvCxnSpPr>
-            <a:cxnSpLocks/>
-          </p:cNvCxnSpPr>
+        </p:spPr>
+      </p:pic>
+      <p:sp>
+        <p:nvSpPr>
+          <p:cNvPr id="14" name="TextBox 13">
+            <a:extLst>
+              <a:ext uri="{FF2B5EF4-FFF2-40B4-BE49-F238E27FC236}">
+                <a16:creationId xmlns:a16="http://schemas.microsoft.com/office/drawing/2014/main" id="{29E323D0-1479-4D7B-A08B-DFF8311AB9F0}"/>
+              </a:ext>
+            </a:extLst>
+          </p:cNvPr>
+          <p:cNvSpPr txBox="1"/>
           <p:nvPr/>
-        </p:nvCxnSpPr>
-        <p:spPr>
-          <a:xfrm>
-            <a:off x="1326000" y="1944000"/>
-            <a:ext cx="0" cy="2520000"/>
-          </a:xfrm>
-          <a:prstGeom prst="line">
+        </p:nvSpPr>
+        <p:spPr>
+          <a:xfrm>
+            <a:off x="7570877" y="2091440"/>
+            <a:ext cx="3176625" cy="646331"/>
+          </a:xfrm>
+          <a:prstGeom prst="rect">
             <a:avLst/>
           </a:prstGeom>
-          <a:ln w="31750"/>
-        </p:spPr>
-        <p:style>
-          <a:lnRef idx="1">
-            <a:schemeClr val="accent1"/>
-          </a:lnRef>
-          <a:fillRef idx="0">
-            <a:schemeClr val="accent1"/>
-          </a:fillRef>
-          <a:effectRef idx="0">
-            <a:schemeClr val="accent1"/>
-          </a:effectRef>
-          <a:fontRef idx="minor">
-            <a:schemeClr val="tx1"/>
-          </a:fontRef>
-        </p:style>
-      </p:cxnSp>
-      <p:cxnSp>
-        <p:nvCxnSpPr>
-          <p:cNvPr id="14" name="Прямая соединительная линия 13">
-            <a:extLst>
-              <a:ext uri="{FF2B5EF4-FFF2-40B4-BE49-F238E27FC236}">
-                <a16:creationId xmlns:a16="http://schemas.microsoft.com/office/drawing/2014/main" id="{03096FA3-1855-4385-8DE4-640DAB32554D}"/>
-              </a:ext>
-            </a:extLst>
-          </p:cNvPr>
-          <p:cNvCxnSpPr>
-            <a:cxnSpLocks/>
-          </p:cNvCxnSpPr>
-          <p:nvPr/>
-        </p:nvCxnSpPr>
-        <p:spPr>
-          <a:xfrm>
-            <a:off x="11217000" y="1944000"/>
-            <a:ext cx="0" cy="1485000"/>
-          </a:xfrm>
-          <a:prstGeom prst="line">
-            <a:avLst/>
-          </a:prstGeom>
-          <a:ln w="31750"/>
-        </p:spPr>
-        <p:style>
-          <a:lnRef idx="1">
-            <a:schemeClr val="accent1"/>
-          </a:lnRef>
-          <a:fillRef idx="0">
-            <a:schemeClr val="accent1"/>
-          </a:fillRef>
-          <a:effectRef idx="0">
-            <a:schemeClr val="accent1"/>
-          </a:effectRef>
-          <a:fontRef idx="minor">
-            <a:schemeClr val="tx1"/>
-          </a:fontRef>
-        </p:style>
-      </p:cxnSp>
+          <a:noFill/>
+        </p:spPr>
+        <p:txBody>
+          <a:bodyPr wrap="square" rtlCol="0">
+            <a:spAutoFit/>
+          </a:bodyPr>
+          <a:lstStyle/>
+          <a:p>
+            <a:r>
+              <a:rPr lang="ru-RU" sz="3600" dirty="0"/>
+              <a:t>Дима Игнатьев</a:t>
+            </a:r>
+          </a:p>
+        </p:txBody>
+      </p:sp>
     </p:spTree>
     <p:extLst>
       <p:ext uri="{BB962C8B-B14F-4D97-AF65-F5344CB8AC3E}">
-        <p14:creationId xmlns:p14="http://schemas.microsoft.com/office/powerpoint/2010/main" val="99814208"/>
+        <p14:creationId xmlns:p14="http://schemas.microsoft.com/office/powerpoint/2010/main" val="2254612429"/>
       </p:ext>
     </p:extLst>
   </p:cSld>

--- a/stroitelniy-project_1.pptx
+++ b/stroitelniy-project_1.pptx
@@ -10980,6 +10980,41 @@
           </a:p>
         </p:txBody>
       </p:sp>
+      <p:sp>
+        <p:nvSpPr>
+          <p:cNvPr id="4" name="TextBox 3">
+            <a:extLst>
+              <a:ext uri="{FF2B5EF4-FFF2-40B4-BE49-F238E27FC236}">
+                <a16:creationId xmlns:a16="http://schemas.microsoft.com/office/drawing/2014/main" id="{2C483DB9-1EA6-4276-9274-1C5A0B4C14C7}"/>
+              </a:ext>
+            </a:extLst>
+          </p:cNvPr>
+          <p:cNvSpPr txBox="1"/>
+          <p:nvPr/>
+        </p:nvSpPr>
+        <p:spPr>
+          <a:xfrm>
+            <a:off x="1139728" y="6490604"/>
+            <a:ext cx="4950000" cy="369332"/>
+          </a:xfrm>
+          <a:prstGeom prst="rect">
+            <a:avLst/>
+          </a:prstGeom>
+          <a:noFill/>
+        </p:spPr>
+        <p:txBody>
+          <a:bodyPr wrap="square" rtlCol="0">
+            <a:spAutoFit/>
+          </a:bodyPr>
+          <a:lstStyle/>
+          <a:p>
+            <a:r>
+              <a:rPr lang="ru-RU" dirty="0"/>
+              <a:t>Фотографии взяты из ВКонтакте</a:t>
+            </a:r>
+          </a:p>
+        </p:txBody>
+      </p:sp>
     </p:spTree>
     <p:extLst>
       <p:ext uri="{BB962C8B-B14F-4D97-AF65-F5344CB8AC3E}">
